--- a/figures/conceptual_model.pptx
+++ b/figures/conceptual_model.pptx
@@ -104,6 +104,11 @@
       </a:defRPr>
     </a:lvl9pPr>
   </p:defaultTextStyle>
+  <p:extLst>
+    <p:ext uri="{EFAFB233-063F-42B5-8137-9DF3F51BA10A}">
+      <p15:sldGuideLst xmlns:p15="http://schemas.microsoft.com/office/powerpoint/2012/main"/>
+    </p:ext>
+  </p:extLst>
 </p:presentation>
 </file>
 
@@ -256,7 +261,7 @@
           <a:p>
             <a:fld id="{B60B2548-A115-43E1-BCCB-69979935F926}" type="datetimeFigureOut">
               <a:rPr lang="es-PE" smtClean="0"/>
-              <a:t>8/09/2022</a:t>
+              <a:t>19/10/2022</a:t>
             </a:fld>
             <a:endParaRPr lang="es-PE"/>
           </a:p>
@@ -456,7 +461,7 @@
           <a:p>
             <a:fld id="{B60B2548-A115-43E1-BCCB-69979935F926}" type="datetimeFigureOut">
               <a:rPr lang="es-PE" smtClean="0"/>
-              <a:t>8/09/2022</a:t>
+              <a:t>19/10/2022</a:t>
             </a:fld>
             <a:endParaRPr lang="es-PE"/>
           </a:p>
@@ -666,7 +671,7 @@
           <a:p>
             <a:fld id="{B60B2548-A115-43E1-BCCB-69979935F926}" type="datetimeFigureOut">
               <a:rPr lang="es-PE" smtClean="0"/>
-              <a:t>8/09/2022</a:t>
+              <a:t>19/10/2022</a:t>
             </a:fld>
             <a:endParaRPr lang="es-PE"/>
           </a:p>
@@ -866,7 +871,7 @@
           <a:p>
             <a:fld id="{B60B2548-A115-43E1-BCCB-69979935F926}" type="datetimeFigureOut">
               <a:rPr lang="es-PE" smtClean="0"/>
-              <a:t>8/09/2022</a:t>
+              <a:t>19/10/2022</a:t>
             </a:fld>
             <a:endParaRPr lang="es-PE"/>
           </a:p>
@@ -1142,7 +1147,7 @@
           <a:p>
             <a:fld id="{B60B2548-A115-43E1-BCCB-69979935F926}" type="datetimeFigureOut">
               <a:rPr lang="es-PE" smtClean="0"/>
-              <a:t>8/09/2022</a:t>
+              <a:t>19/10/2022</a:t>
             </a:fld>
             <a:endParaRPr lang="es-PE"/>
           </a:p>
@@ -1410,7 +1415,7 @@
           <a:p>
             <a:fld id="{B60B2548-A115-43E1-BCCB-69979935F926}" type="datetimeFigureOut">
               <a:rPr lang="es-PE" smtClean="0"/>
-              <a:t>8/09/2022</a:t>
+              <a:t>19/10/2022</a:t>
             </a:fld>
             <a:endParaRPr lang="es-PE"/>
           </a:p>
@@ -1825,7 +1830,7 @@
           <a:p>
             <a:fld id="{B60B2548-A115-43E1-BCCB-69979935F926}" type="datetimeFigureOut">
               <a:rPr lang="es-PE" smtClean="0"/>
-              <a:t>8/09/2022</a:t>
+              <a:t>19/10/2022</a:t>
             </a:fld>
             <a:endParaRPr lang="es-PE"/>
           </a:p>
@@ -1967,7 +1972,7 @@
           <a:p>
             <a:fld id="{B60B2548-A115-43E1-BCCB-69979935F926}" type="datetimeFigureOut">
               <a:rPr lang="es-PE" smtClean="0"/>
-              <a:t>8/09/2022</a:t>
+              <a:t>19/10/2022</a:t>
             </a:fld>
             <a:endParaRPr lang="es-PE"/>
           </a:p>
@@ -2080,7 +2085,7 @@
           <a:p>
             <a:fld id="{B60B2548-A115-43E1-BCCB-69979935F926}" type="datetimeFigureOut">
               <a:rPr lang="es-PE" smtClean="0"/>
-              <a:t>8/09/2022</a:t>
+              <a:t>19/10/2022</a:t>
             </a:fld>
             <a:endParaRPr lang="es-PE"/>
           </a:p>
@@ -2393,7 +2398,7 @@
           <a:p>
             <a:fld id="{B60B2548-A115-43E1-BCCB-69979935F926}" type="datetimeFigureOut">
               <a:rPr lang="es-PE" smtClean="0"/>
-              <a:t>8/09/2022</a:t>
+              <a:t>19/10/2022</a:t>
             </a:fld>
             <a:endParaRPr lang="es-PE"/>
           </a:p>
@@ -2682,7 +2687,7 @@
           <a:p>
             <a:fld id="{B60B2548-A115-43E1-BCCB-69979935F926}" type="datetimeFigureOut">
               <a:rPr lang="es-PE" smtClean="0"/>
-              <a:t>8/09/2022</a:t>
+              <a:t>19/10/2022</a:t>
             </a:fld>
             <a:endParaRPr lang="es-PE"/>
           </a:p>
@@ -2925,7 +2930,7 @@
           <a:p>
             <a:fld id="{B60B2548-A115-43E1-BCCB-69979935F926}" type="datetimeFigureOut">
               <a:rPr lang="es-PE" smtClean="0"/>
-              <a:t>8/09/2022</a:t>
+              <a:t>19/10/2022</a:t>
             </a:fld>
             <a:endParaRPr lang="es-PE"/>
           </a:p>
@@ -3344,10 +3349,10 @@
       </p:grpSpPr>
       <p:grpSp>
         <p:nvGrpSpPr>
-          <p:cNvPr id="169" name="Grupo 168">
+          <p:cNvPr id="175" name="Grupo 174">
             <a:extLst>
               <a:ext uri="{FF2B5EF4-FFF2-40B4-BE49-F238E27FC236}">
-                <a16:creationId xmlns:a16="http://schemas.microsoft.com/office/drawing/2014/main" id="{80410A3D-5C04-C9CA-C0C8-518611DF7163}"/>
+                <a16:creationId xmlns:a16="http://schemas.microsoft.com/office/drawing/2014/main" id="{F73A7688-EE6F-B0D5-5E82-3FD967A939C3}"/>
               </a:ext>
             </a:extLst>
           </p:cNvPr>
@@ -3356,10 +3361,10 @@
         </p:nvGrpSpPr>
         <p:grpSpPr>
           <a:xfrm>
-            <a:off x="306603" y="967683"/>
-            <a:ext cx="11736412" cy="5140822"/>
-            <a:chOff x="306603" y="967683"/>
-            <a:chExt cx="11736412" cy="5140822"/>
+            <a:off x="-57564" y="967683"/>
+            <a:ext cx="12237843" cy="5310099"/>
+            <a:chOff x="-57564" y="967683"/>
+            <a:chExt cx="12237843" cy="5310099"/>
           </a:xfrm>
         </p:grpSpPr>
         <p:sp>
@@ -3376,15 +3381,15 @@
           </p:nvSpPr>
           <p:spPr>
             <a:xfrm>
-              <a:off x="2367730" y="3218156"/>
-              <a:ext cx="8640000" cy="2880000"/>
+              <a:off x="1445816" y="3218156"/>
+              <a:ext cx="9998794" cy="2880000"/>
             </a:xfrm>
             <a:prstGeom prst="rect">
               <a:avLst/>
             </a:prstGeom>
             <a:solidFill>
-              <a:srgbClr val="C55A11">
-                <a:alpha val="50196"/>
+              <a:srgbClr val="E0A44C">
+                <a:alpha val="49804"/>
               </a:srgbClr>
             </a:solidFill>
             <a:ln>
@@ -3432,7 +3437,7 @@
           </p:nvSpPr>
           <p:spPr>
             <a:xfrm>
-              <a:off x="8839207" y="967684"/>
+              <a:off x="9276087" y="967684"/>
               <a:ext cx="1588897" cy="461665"/>
             </a:xfrm>
             <a:prstGeom prst="rect">
@@ -3474,7 +3479,7 @@
           </p:nvSpPr>
           <p:spPr>
             <a:xfrm>
-              <a:off x="4463967" y="967683"/>
+              <a:off x="4166377" y="967683"/>
               <a:ext cx="1590500" cy="461665"/>
             </a:xfrm>
             <a:prstGeom prst="rect">
@@ -3504,110 +3509,6 @@
         </p:sp>
         <p:sp>
           <p:nvSpPr>
-            <p:cNvPr id="18" name="Cerrar llave 17">
-              <a:extLst>
-                <a:ext uri="{FF2B5EF4-FFF2-40B4-BE49-F238E27FC236}">
-                  <a16:creationId xmlns:a16="http://schemas.microsoft.com/office/drawing/2014/main" id="{CE319985-FABF-D27F-FC00-5637622D734B}"/>
-                </a:ext>
-              </a:extLst>
-            </p:cNvPr>
-            <p:cNvSpPr/>
-            <p:nvPr/>
-          </p:nvSpPr>
-          <p:spPr>
-            <a:xfrm>
-              <a:off x="11061573" y="3218156"/>
-              <a:ext cx="154229" cy="727395"/>
-            </a:xfrm>
-            <a:prstGeom prst="rightBrace">
-              <a:avLst/>
-            </a:prstGeom>
-            <a:ln w="19050">
-              <a:solidFill>
-                <a:schemeClr val="tx1">
-                  <a:lumMod val="95000"/>
-                  <a:lumOff val="5000"/>
-                </a:schemeClr>
-              </a:solidFill>
-            </a:ln>
-          </p:spPr>
-          <p:style>
-            <a:lnRef idx="1">
-              <a:schemeClr val="accent1"/>
-            </a:lnRef>
-            <a:fillRef idx="0">
-              <a:schemeClr val="accent1"/>
-            </a:fillRef>
-            <a:effectRef idx="0">
-              <a:schemeClr val="accent1"/>
-            </a:effectRef>
-            <a:fontRef idx="minor">
-              <a:schemeClr val="tx1"/>
-            </a:fontRef>
-          </p:style>
-          <p:txBody>
-            <a:bodyPr rtlCol="0" anchor="ctr"/>
-            <a:lstStyle/>
-            <a:p>
-              <a:pPr algn="ctr"/>
-              <a:endParaRPr lang="es-PE"/>
-            </a:p>
-          </p:txBody>
-        </p:sp>
-        <p:sp>
-          <p:nvSpPr>
-            <p:cNvPr id="19" name="Cerrar llave 18">
-              <a:extLst>
-                <a:ext uri="{FF2B5EF4-FFF2-40B4-BE49-F238E27FC236}">
-                  <a16:creationId xmlns:a16="http://schemas.microsoft.com/office/drawing/2014/main" id="{A0999895-AA7B-8A90-C5B8-4FB46D93149F}"/>
-                </a:ext>
-              </a:extLst>
-            </p:cNvPr>
-            <p:cNvSpPr/>
-            <p:nvPr/>
-          </p:nvSpPr>
-          <p:spPr>
-            <a:xfrm>
-              <a:off x="11061573" y="3945551"/>
-              <a:ext cx="154229" cy="2162954"/>
-            </a:xfrm>
-            <a:prstGeom prst="rightBrace">
-              <a:avLst/>
-            </a:prstGeom>
-            <a:ln w="19050">
-              <a:solidFill>
-                <a:schemeClr val="tx1">
-                  <a:lumMod val="95000"/>
-                  <a:lumOff val="5000"/>
-                </a:schemeClr>
-              </a:solidFill>
-            </a:ln>
-          </p:spPr>
-          <p:style>
-            <a:lnRef idx="1">
-              <a:schemeClr val="accent1"/>
-            </a:lnRef>
-            <a:fillRef idx="0">
-              <a:schemeClr val="accent1"/>
-            </a:fillRef>
-            <a:effectRef idx="0">
-              <a:schemeClr val="accent1"/>
-            </a:effectRef>
-            <a:fontRef idx="minor">
-              <a:schemeClr val="tx1"/>
-            </a:fontRef>
-          </p:style>
-          <p:txBody>
-            <a:bodyPr rtlCol="0" anchor="ctr"/>
-            <a:lstStyle/>
-            <a:p>
-              <a:pPr algn="ctr"/>
-              <a:endParaRPr lang="es-PE"/>
-            </a:p>
-          </p:txBody>
-        </p:sp>
-        <p:sp>
-          <p:nvSpPr>
             <p:cNvPr id="20" name="CuadroTexto 19">
               <a:extLst>
                 <a:ext uri="{FF2B5EF4-FFF2-40B4-BE49-F238E27FC236}">
@@ -3620,7 +3521,7 @@
           </p:nvSpPr>
           <p:spPr>
             <a:xfrm>
-              <a:off x="11215802" y="3412576"/>
+              <a:off x="11481049" y="3762175"/>
               <a:ext cx="699230" cy="338554"/>
             </a:xfrm>
             <a:prstGeom prst="rect">
@@ -3662,7 +3563,7 @@
           </p:nvSpPr>
           <p:spPr>
             <a:xfrm>
-              <a:off x="11215802" y="4857751"/>
+              <a:off x="11481049" y="5939228"/>
               <a:ext cx="699230" cy="338554"/>
             </a:xfrm>
             <a:prstGeom prst="rect">
@@ -3704,7 +3605,7 @@
           </p:nvSpPr>
           <p:spPr>
             <a:xfrm flipH="1">
-              <a:off x="2177469" y="3218156"/>
+              <a:off x="1254207" y="3218156"/>
               <a:ext cx="154229" cy="727395"/>
             </a:xfrm>
             <a:prstGeom prst="rightBrace">
@@ -3756,7 +3657,7 @@
           </p:nvSpPr>
           <p:spPr>
             <a:xfrm flipH="1">
-              <a:off x="2177469" y="3945551"/>
+              <a:off x="1254207" y="3945551"/>
               <a:ext cx="154229" cy="2162954"/>
             </a:xfrm>
             <a:prstGeom prst="rightBrace">
@@ -3808,8 +3709,8 @@
           </p:nvSpPr>
           <p:spPr>
             <a:xfrm>
-              <a:off x="821515" y="3405175"/>
-              <a:ext cx="1290738" cy="338554"/>
+              <a:off x="226940" y="3305380"/>
+              <a:ext cx="857927" cy="584775"/>
             </a:xfrm>
             <a:prstGeom prst="rect">
               <a:avLst/>
@@ -3822,12 +3723,23 @@
             </a:bodyPr>
             <a:lstStyle/>
             <a:p>
+              <a:pPr algn="ctr"/>
               <a:r>
                 <a:rPr lang="de-DE" sz="1600" dirty="0">
                   <a:latin typeface="Arial" panose="020B0604020202020204" pitchFamily="34" charset="0"/>
                   <a:cs typeface="Arial" panose="020B0604020202020204" pitchFamily="34" charset="0"/>
                 </a:rPr>
-                <a:t>growth pool</a:t>
+                <a:t>growth </a:t>
+              </a:r>
+            </a:p>
+            <a:p>
+              <a:pPr algn="ctr"/>
+              <a:r>
+                <a:rPr lang="de-DE" sz="1600" dirty="0">
+                  <a:latin typeface="Arial" panose="020B0604020202020204" pitchFamily="34" charset="0"/>
+                  <a:cs typeface="Arial" panose="020B0604020202020204" pitchFamily="34" charset="0"/>
+                </a:rPr>
+                <a:t>pool</a:t>
               </a:r>
               <a:endParaRPr lang="es-PE" sz="1600" dirty="0">
                 <a:latin typeface="Arial" panose="020B0604020202020204" pitchFamily="34" charset="0"/>
@@ -3850,8 +3762,8 @@
           </p:nvSpPr>
           <p:spPr>
             <a:xfrm>
-              <a:off x="306603" y="4850350"/>
-              <a:ext cx="1802096" cy="338554"/>
+              <a:off x="-57564" y="4672946"/>
+              <a:ext cx="1415772" cy="584775"/>
             </a:xfrm>
             <a:prstGeom prst="rect">
               <a:avLst/>
@@ -3864,12 +3776,23 @@
             </a:bodyPr>
             <a:lstStyle/>
             <a:p>
+              <a:pPr algn="ctr"/>
               <a:r>
                 <a:rPr lang="de-DE" sz="1600" dirty="0">
                   <a:latin typeface="Arial" panose="020B0604020202020204" pitchFamily="34" charset="0"/>
                   <a:cs typeface="Arial" panose="020B0604020202020204" pitchFamily="34" charset="0"/>
                 </a:rPr>
-                <a:t>maintenance pool</a:t>
+                <a:t>maintenance </a:t>
+              </a:r>
+            </a:p>
+            <a:p>
+              <a:pPr algn="ctr"/>
+              <a:r>
+                <a:rPr lang="de-DE" sz="1600" dirty="0">
+                  <a:latin typeface="Arial" panose="020B0604020202020204" pitchFamily="34" charset="0"/>
+                  <a:cs typeface="Arial" panose="020B0604020202020204" pitchFamily="34" charset="0"/>
+                </a:rPr>
+                <a:t>pool</a:t>
               </a:r>
               <a:endParaRPr lang="es-PE" sz="1600" dirty="0">
                 <a:latin typeface="Arial" panose="020B0604020202020204" pitchFamily="34" charset="0"/>
@@ -3894,7 +3817,7 @@
           </p:nvCxnSpPr>
           <p:spPr>
             <a:xfrm flipV="1">
-              <a:off x="3536636" y="2623925"/>
+              <a:off x="3973516" y="2623925"/>
               <a:ext cx="0" cy="2445565"/>
             </a:xfrm>
             <a:prstGeom prst="line">
@@ -3935,7 +3858,7 @@
           </p:nvGrpSpPr>
           <p:grpSpPr>
             <a:xfrm>
-              <a:off x="9579408" y="2466905"/>
+              <a:off x="9750696" y="2466905"/>
               <a:ext cx="750388" cy="795283"/>
               <a:chOff x="7903905" y="2431393"/>
               <a:chExt cx="750388" cy="795283"/>
@@ -4585,7 +4508,7 @@
           </p:nvGrpSpPr>
           <p:grpSpPr>
             <a:xfrm>
-              <a:off x="9568772" y="3255181"/>
+              <a:off x="9740060" y="3255181"/>
               <a:ext cx="697186" cy="711200"/>
               <a:chOff x="7893269" y="3219669"/>
               <a:chExt cx="697186" cy="711200"/>
@@ -5308,7 +5231,7 @@
           </p:nvSpPr>
           <p:spPr>
             <a:xfrm>
-              <a:off x="10731437" y="1697207"/>
+              <a:off x="10583627" y="1720117"/>
               <a:ext cx="1311578" cy="338554"/>
             </a:xfrm>
             <a:prstGeom prst="rect">
@@ -5338,98 +5261,6 @@
         </p:sp>
         <p:sp>
           <p:nvSpPr>
-            <p:cNvPr id="54" name="Forma libre: forma 53">
-              <a:extLst>
-                <a:ext uri="{FF2B5EF4-FFF2-40B4-BE49-F238E27FC236}">
-                  <a16:creationId xmlns:a16="http://schemas.microsoft.com/office/drawing/2014/main" id="{BB4682ED-721B-656C-84CC-9A7920A599FF}"/>
-                </a:ext>
-              </a:extLst>
-            </p:cNvPr>
-            <p:cNvSpPr/>
-            <p:nvPr/>
-          </p:nvSpPr>
-          <p:spPr>
-            <a:xfrm rot="657729">
-              <a:off x="10229641" y="1877722"/>
-              <a:ext cx="426128" cy="585927"/>
-            </a:xfrm>
-            <a:custGeom>
-              <a:avLst/>
-              <a:gdLst>
-                <a:gd name="connsiteX0" fmla="*/ 426128 w 426128"/>
-                <a:gd name="connsiteY0" fmla="*/ 0 h 585927"/>
-                <a:gd name="connsiteX1" fmla="*/ 71021 w 426128"/>
-                <a:gd name="connsiteY1" fmla="*/ 133165 h 585927"/>
-                <a:gd name="connsiteX2" fmla="*/ 0 w 426128"/>
-                <a:gd name="connsiteY2" fmla="*/ 585927 h 585927"/>
-              </a:gdLst>
-              <a:ahLst/>
-              <a:cxnLst>
-                <a:cxn ang="0">
-                  <a:pos x="connsiteX0" y="connsiteY0"/>
-                </a:cxn>
-                <a:cxn ang="0">
-                  <a:pos x="connsiteX1" y="connsiteY1"/>
-                </a:cxn>
-                <a:cxn ang="0">
-                  <a:pos x="connsiteX2" y="connsiteY2"/>
-                </a:cxn>
-              </a:cxnLst>
-              <a:rect l="l" t="t" r="r" b="b"/>
-              <a:pathLst>
-                <a:path w="426128" h="585927">
-                  <a:moveTo>
-                    <a:pt x="426128" y="0"/>
-                  </a:moveTo>
-                  <a:cubicBezTo>
-                    <a:pt x="284085" y="17755"/>
-                    <a:pt x="142042" y="35511"/>
-                    <a:pt x="71021" y="133165"/>
-                  </a:cubicBezTo>
-                  <a:cubicBezTo>
-                    <a:pt x="0" y="230819"/>
-                    <a:pt x="0" y="408373"/>
-                    <a:pt x="0" y="585927"/>
-                  </a:cubicBezTo>
-                </a:path>
-              </a:pathLst>
-            </a:custGeom>
-            <a:noFill/>
-            <a:ln w="38100">
-              <a:solidFill>
-                <a:srgbClr val="FF0000"/>
-              </a:solidFill>
-              <a:headEnd type="none" w="med" len="med"/>
-              <a:tailEnd type="triangle" w="med" len="med"/>
-            </a:ln>
-          </p:spPr>
-          <p:style>
-            <a:lnRef idx="2">
-              <a:schemeClr val="accent1">
-                <a:shade val="50000"/>
-              </a:schemeClr>
-            </a:lnRef>
-            <a:fillRef idx="1">
-              <a:schemeClr val="accent1"/>
-            </a:fillRef>
-            <a:effectRef idx="0">
-              <a:schemeClr val="accent1"/>
-            </a:effectRef>
-            <a:fontRef idx="minor">
-              <a:schemeClr val="lt1"/>
-            </a:fontRef>
-          </p:style>
-          <p:txBody>
-            <a:bodyPr rtlCol="0" anchor="ctr"/>
-            <a:lstStyle/>
-            <a:p>
-              <a:pPr algn="ctr"/>
-              <a:endParaRPr lang="es-PE"/>
-            </a:p>
-          </p:txBody>
-        </p:sp>
-        <p:sp>
-          <p:nvSpPr>
             <p:cNvPr id="55" name="CuadroTexto 54">
               <a:extLst>
                 <a:ext uri="{FF2B5EF4-FFF2-40B4-BE49-F238E27FC236}">
@@ -5442,7 +5273,7 @@
           </p:nvSpPr>
           <p:spPr>
             <a:xfrm>
-              <a:off x="10319633" y="2896798"/>
+              <a:off x="10756513" y="2703758"/>
               <a:ext cx="970137" cy="338554"/>
             </a:xfrm>
             <a:prstGeom prst="rect">
@@ -5472,190 +5303,6 @@
         </p:sp>
         <p:sp>
           <p:nvSpPr>
-            <p:cNvPr id="56" name="Forma libre: forma 55">
-              <a:extLst>
-                <a:ext uri="{FF2B5EF4-FFF2-40B4-BE49-F238E27FC236}">
-                  <a16:creationId xmlns:a16="http://schemas.microsoft.com/office/drawing/2014/main" id="{460625FB-274C-D136-05D7-8CA7D16E41CB}"/>
-                </a:ext>
-              </a:extLst>
-            </p:cNvPr>
-            <p:cNvSpPr/>
-            <p:nvPr/>
-          </p:nvSpPr>
-          <p:spPr>
-            <a:xfrm rot="21299597">
-              <a:off x="9390066" y="3369550"/>
-              <a:ext cx="497149" cy="345075"/>
-            </a:xfrm>
-            <a:custGeom>
-              <a:avLst/>
-              <a:gdLst>
-                <a:gd name="connsiteX0" fmla="*/ 497149 w 497149"/>
-                <a:gd name="connsiteY0" fmla="*/ 43234 h 345075"/>
-                <a:gd name="connsiteX1" fmla="*/ 168676 w 497149"/>
-                <a:gd name="connsiteY1" fmla="*/ 25479 h 345075"/>
-                <a:gd name="connsiteX2" fmla="*/ 0 w 497149"/>
-                <a:gd name="connsiteY2" fmla="*/ 345075 h 345075"/>
-              </a:gdLst>
-              <a:ahLst/>
-              <a:cxnLst>
-                <a:cxn ang="0">
-                  <a:pos x="connsiteX0" y="connsiteY0"/>
-                </a:cxn>
-                <a:cxn ang="0">
-                  <a:pos x="connsiteX1" y="connsiteY1"/>
-                </a:cxn>
-                <a:cxn ang="0">
-                  <a:pos x="connsiteX2" y="connsiteY2"/>
-                </a:cxn>
-              </a:cxnLst>
-              <a:rect l="l" t="t" r="r" b="b"/>
-              <a:pathLst>
-                <a:path w="497149" h="345075">
-                  <a:moveTo>
-                    <a:pt x="497149" y="43234"/>
-                  </a:moveTo>
-                  <a:cubicBezTo>
-                    <a:pt x="374341" y="9203"/>
-                    <a:pt x="251534" y="-24828"/>
-                    <a:pt x="168676" y="25479"/>
-                  </a:cubicBezTo>
-                  <a:cubicBezTo>
-                    <a:pt x="85818" y="75786"/>
-                    <a:pt x="42909" y="210430"/>
-                    <a:pt x="0" y="345075"/>
-                  </a:cubicBezTo>
-                </a:path>
-              </a:pathLst>
-            </a:custGeom>
-            <a:noFill/>
-            <a:ln w="38100">
-              <a:solidFill>
-                <a:srgbClr val="FF0000"/>
-              </a:solidFill>
-              <a:headEnd type="none" w="med" len="med"/>
-              <a:tailEnd type="triangle" w="med" len="med"/>
-            </a:ln>
-          </p:spPr>
-          <p:style>
-            <a:lnRef idx="2">
-              <a:schemeClr val="accent1">
-                <a:shade val="50000"/>
-              </a:schemeClr>
-            </a:lnRef>
-            <a:fillRef idx="1">
-              <a:schemeClr val="accent1"/>
-            </a:fillRef>
-            <a:effectRef idx="0">
-              <a:schemeClr val="accent1"/>
-            </a:effectRef>
-            <a:fontRef idx="minor">
-              <a:schemeClr val="lt1"/>
-            </a:fontRef>
-          </p:style>
-          <p:txBody>
-            <a:bodyPr rtlCol="0" anchor="ctr"/>
-            <a:lstStyle/>
-            <a:p>
-              <a:pPr algn="ctr"/>
-              <a:endParaRPr lang="es-PE"/>
-            </a:p>
-          </p:txBody>
-        </p:sp>
-        <p:sp>
-          <p:nvSpPr>
-            <p:cNvPr id="62" name="Signo menos 61">
-              <a:extLst>
-                <a:ext uri="{FF2B5EF4-FFF2-40B4-BE49-F238E27FC236}">
-                  <a16:creationId xmlns:a16="http://schemas.microsoft.com/office/drawing/2014/main" id="{0C60277C-E87F-2EB2-3C3E-8D82C395EA72}"/>
-                </a:ext>
-              </a:extLst>
-            </p:cNvPr>
-            <p:cNvSpPr/>
-            <p:nvPr/>
-          </p:nvSpPr>
-          <p:spPr>
-            <a:xfrm>
-              <a:off x="11308347" y="1546847"/>
-              <a:ext cx="180000" cy="180000"/>
-            </a:xfrm>
-            <a:prstGeom prst="mathMinus">
-              <a:avLst/>
-            </a:prstGeom>
-          </p:spPr>
-          <p:style>
-            <a:lnRef idx="2">
-              <a:schemeClr val="accent1">
-                <a:shade val="50000"/>
-              </a:schemeClr>
-            </a:lnRef>
-            <a:fillRef idx="1">
-              <a:schemeClr val="accent1"/>
-            </a:fillRef>
-            <a:effectRef idx="0">
-              <a:schemeClr val="accent1"/>
-            </a:effectRef>
-            <a:fontRef idx="minor">
-              <a:schemeClr val="lt1"/>
-            </a:fontRef>
-          </p:style>
-          <p:txBody>
-            <a:bodyPr rtlCol="0" anchor="ctr"/>
-            <a:lstStyle/>
-            <a:p>
-              <a:pPr algn="ctr"/>
-              <a:endParaRPr lang="es-PE"/>
-            </a:p>
-          </p:txBody>
-        </p:sp>
-        <p:sp>
-          <p:nvSpPr>
-            <p:cNvPr id="63" name="Signo menos 62">
-              <a:extLst>
-                <a:ext uri="{FF2B5EF4-FFF2-40B4-BE49-F238E27FC236}">
-                  <a16:creationId xmlns:a16="http://schemas.microsoft.com/office/drawing/2014/main" id="{CC4E4DF4-CEFC-83DD-AE66-BF25FAA82FD5}"/>
-                </a:ext>
-              </a:extLst>
-            </p:cNvPr>
-            <p:cNvSpPr/>
-            <p:nvPr/>
-          </p:nvSpPr>
-          <p:spPr>
-            <a:xfrm>
-              <a:off x="10719783" y="2765168"/>
-              <a:ext cx="180000" cy="180000"/>
-            </a:xfrm>
-            <a:prstGeom prst="mathMinus">
-              <a:avLst/>
-            </a:prstGeom>
-          </p:spPr>
-          <p:style>
-            <a:lnRef idx="2">
-              <a:schemeClr val="accent1">
-                <a:shade val="50000"/>
-              </a:schemeClr>
-            </a:lnRef>
-            <a:fillRef idx="1">
-              <a:schemeClr val="accent1"/>
-            </a:fillRef>
-            <a:effectRef idx="0">
-              <a:schemeClr val="accent1"/>
-            </a:effectRef>
-            <a:fontRef idx="minor">
-              <a:schemeClr val="lt1"/>
-            </a:fontRef>
-          </p:style>
-          <p:txBody>
-            <a:bodyPr rtlCol="0" anchor="ctr"/>
-            <a:lstStyle/>
-            <a:p>
-              <a:pPr algn="ctr"/>
-              <a:endParaRPr lang="es-PE"/>
-            </a:p>
-          </p:txBody>
-        </p:sp>
-        <p:sp>
-          <p:nvSpPr>
             <p:cNvPr id="64" name="CuadroTexto 63">
               <a:extLst>
                 <a:ext uri="{FF2B5EF4-FFF2-40B4-BE49-F238E27FC236}">
@@ -5668,7 +5315,7 @@
           </p:nvSpPr>
           <p:spPr>
             <a:xfrm>
-              <a:off x="8187081" y="3522569"/>
+              <a:off x="8623961" y="3522569"/>
               <a:ext cx="1083951" cy="338554"/>
             </a:xfrm>
             <a:prstGeom prst="rect">
@@ -5698,52 +5345,6 @@
         </p:sp>
         <p:sp>
           <p:nvSpPr>
-            <p:cNvPr id="65" name="Signo menos 64">
-              <a:extLst>
-                <a:ext uri="{FF2B5EF4-FFF2-40B4-BE49-F238E27FC236}">
-                  <a16:creationId xmlns:a16="http://schemas.microsoft.com/office/drawing/2014/main" id="{98C6C2FA-8AA0-3156-5B79-3CE44A407A4E}"/>
-                </a:ext>
-              </a:extLst>
-            </p:cNvPr>
-            <p:cNvSpPr/>
-            <p:nvPr/>
-          </p:nvSpPr>
-          <p:spPr>
-            <a:xfrm>
-              <a:off x="8639056" y="3388739"/>
-              <a:ext cx="180000" cy="180000"/>
-            </a:xfrm>
-            <a:prstGeom prst="mathMinus">
-              <a:avLst/>
-            </a:prstGeom>
-          </p:spPr>
-          <p:style>
-            <a:lnRef idx="2">
-              <a:schemeClr val="accent1">
-                <a:shade val="50000"/>
-              </a:schemeClr>
-            </a:lnRef>
-            <a:fillRef idx="1">
-              <a:schemeClr val="accent1"/>
-            </a:fillRef>
-            <a:effectRef idx="0">
-              <a:schemeClr val="accent1"/>
-            </a:effectRef>
-            <a:fontRef idx="minor">
-              <a:schemeClr val="lt1"/>
-            </a:fontRef>
-          </p:style>
-          <p:txBody>
-            <a:bodyPr rtlCol="0" anchor="ctr"/>
-            <a:lstStyle/>
-            <a:p>
-              <a:pPr algn="ctr"/>
-              <a:endParaRPr lang="es-PE"/>
-            </a:p>
-          </p:txBody>
-        </p:sp>
-        <p:sp>
-          <p:nvSpPr>
             <p:cNvPr id="67" name="Rectángulo 66">
               <a:extLst>
                 <a:ext uri="{FF2B5EF4-FFF2-40B4-BE49-F238E27FC236}">
@@ -5756,7 +5357,7 @@
           </p:nvSpPr>
           <p:spPr>
             <a:xfrm>
-              <a:off x="8115581" y="3959374"/>
+              <a:off x="8552461" y="3959374"/>
               <a:ext cx="2891208" cy="2138782"/>
             </a:xfrm>
             <a:prstGeom prst="rect">
@@ -5810,7 +5411,7 @@
           </p:nvSpPr>
           <p:spPr>
             <a:xfrm>
-              <a:off x="8188328" y="4877204"/>
+              <a:off x="8625208" y="4877204"/>
               <a:ext cx="1928733" cy="338554"/>
             </a:xfrm>
             <a:prstGeom prst="rect">
@@ -5854,7 +5455,7 @@
           </p:nvCxnSpPr>
           <p:spPr>
             <a:xfrm>
-              <a:off x="8116516" y="1439333"/>
+              <a:off x="8553396" y="1439333"/>
               <a:ext cx="0" cy="4658823"/>
             </a:xfrm>
             <a:prstGeom prst="line">
@@ -5867,52 +5468,6 @@
                   <a:lumOff val="5000"/>
                 </a:schemeClr>
               </a:solidFill>
-            </a:ln>
-          </p:spPr>
-          <p:style>
-            <a:lnRef idx="1">
-              <a:schemeClr val="accent1"/>
-            </a:lnRef>
-            <a:fillRef idx="0">
-              <a:schemeClr val="accent1"/>
-            </a:fillRef>
-            <a:effectRef idx="0">
-              <a:schemeClr val="accent1"/>
-            </a:effectRef>
-            <a:fontRef idx="minor">
-              <a:schemeClr val="tx1"/>
-            </a:fontRef>
-          </p:style>
-        </p:cxnSp>
-        <p:cxnSp>
-          <p:nvCxnSpPr>
-            <p:cNvPr id="16" name="Conector recto 15">
-              <a:extLst>
-                <a:ext uri="{FF2B5EF4-FFF2-40B4-BE49-F238E27FC236}">
-                  <a16:creationId xmlns:a16="http://schemas.microsoft.com/office/drawing/2014/main" id="{F3463AD6-E590-3C48-D954-B4C542C84326}"/>
-                </a:ext>
-              </a:extLst>
-            </p:cNvPr>
-            <p:cNvCxnSpPr>
-              <a:cxnSpLocks/>
-            </p:cNvCxnSpPr>
-            <p:nvPr/>
-          </p:nvCxnSpPr>
-          <p:spPr>
-            <a:xfrm flipH="1">
-              <a:off x="2367730" y="3945556"/>
-              <a:ext cx="8640000" cy="0"/>
-            </a:xfrm>
-            <a:prstGeom prst="line">
-              <a:avLst/>
-            </a:prstGeom>
-            <a:ln w="28575">
-              <a:solidFill>
-                <a:schemeClr val="bg2">
-                  <a:lumMod val="75000"/>
-                </a:schemeClr>
-              </a:solidFill>
-              <a:prstDash val="dash"/>
             </a:ln>
           </p:spPr>
           <p:style>
@@ -5944,7 +5499,7 @@
           </p:nvGrpSpPr>
           <p:grpSpPr>
             <a:xfrm>
-              <a:off x="6338611" y="2466905"/>
+              <a:off x="7527291" y="2466905"/>
               <a:ext cx="750388" cy="795283"/>
               <a:chOff x="7903905" y="2431393"/>
               <a:chExt cx="750388" cy="795283"/>
@@ -6590,7 +6145,7 @@
           </p:nvGrpSpPr>
           <p:grpSpPr>
             <a:xfrm>
-              <a:off x="6327975" y="3255181"/>
+              <a:off x="7516655" y="3255181"/>
               <a:ext cx="697186" cy="711200"/>
               <a:chOff x="7893269" y="3219669"/>
               <a:chExt cx="697186" cy="711200"/>
@@ -7313,7 +6868,7 @@
           </p:nvSpPr>
           <p:spPr>
             <a:xfrm>
-              <a:off x="4603428" y="1697207"/>
+              <a:off x="4314168" y="1726201"/>
               <a:ext cx="1311578" cy="338554"/>
             </a:xfrm>
             <a:prstGeom prst="rect">
@@ -7343,144 +6898,6 @@
         </p:sp>
         <p:sp>
           <p:nvSpPr>
-            <p:cNvPr id="91" name="Signo menos 90">
-              <a:extLst>
-                <a:ext uri="{FF2B5EF4-FFF2-40B4-BE49-F238E27FC236}">
-                  <a16:creationId xmlns:a16="http://schemas.microsoft.com/office/drawing/2014/main" id="{6886CD8A-5394-E53D-6162-7B3DC86DE1C1}"/>
-                </a:ext>
-              </a:extLst>
-            </p:cNvPr>
-            <p:cNvSpPr/>
-            <p:nvPr/>
-          </p:nvSpPr>
-          <p:spPr>
-            <a:xfrm>
-              <a:off x="5169217" y="1546847"/>
-              <a:ext cx="180000" cy="180000"/>
-            </a:xfrm>
-            <a:prstGeom prst="mathMinus">
-              <a:avLst/>
-            </a:prstGeom>
-          </p:spPr>
-          <p:style>
-            <a:lnRef idx="2">
-              <a:schemeClr val="accent1">
-                <a:shade val="50000"/>
-              </a:schemeClr>
-            </a:lnRef>
-            <a:fillRef idx="1">
-              <a:schemeClr val="accent1"/>
-            </a:fillRef>
-            <a:effectRef idx="0">
-              <a:schemeClr val="accent1"/>
-            </a:effectRef>
-            <a:fontRef idx="minor">
-              <a:schemeClr val="lt1"/>
-            </a:fontRef>
-          </p:style>
-          <p:txBody>
-            <a:bodyPr rtlCol="0" anchor="ctr"/>
-            <a:lstStyle/>
-            <a:p>
-              <a:pPr algn="ctr"/>
-              <a:endParaRPr lang="es-PE"/>
-            </a:p>
-          </p:txBody>
-        </p:sp>
-        <p:sp>
-          <p:nvSpPr>
-            <p:cNvPr id="92" name="Forma libre: forma 91">
-              <a:extLst>
-                <a:ext uri="{FF2B5EF4-FFF2-40B4-BE49-F238E27FC236}">
-                  <a16:creationId xmlns:a16="http://schemas.microsoft.com/office/drawing/2014/main" id="{89C16732-20CA-BAA9-8091-CDCC34A6D31F}"/>
-                </a:ext>
-              </a:extLst>
-            </p:cNvPr>
-            <p:cNvSpPr/>
-            <p:nvPr/>
-          </p:nvSpPr>
-          <p:spPr>
-            <a:xfrm>
-              <a:off x="5882640" y="1866900"/>
-              <a:ext cx="800100" cy="510540"/>
-            </a:xfrm>
-            <a:custGeom>
-              <a:avLst/>
-              <a:gdLst>
-                <a:gd name="connsiteX0" fmla="*/ 0 w 800100"/>
-                <a:gd name="connsiteY0" fmla="*/ 0 h 510540"/>
-                <a:gd name="connsiteX1" fmla="*/ 541020 w 800100"/>
-                <a:gd name="connsiteY1" fmla="*/ 114300 h 510540"/>
-                <a:gd name="connsiteX2" fmla="*/ 800100 w 800100"/>
-                <a:gd name="connsiteY2" fmla="*/ 510540 h 510540"/>
-              </a:gdLst>
-              <a:ahLst/>
-              <a:cxnLst>
-                <a:cxn ang="0">
-                  <a:pos x="connsiteX0" y="connsiteY0"/>
-                </a:cxn>
-                <a:cxn ang="0">
-                  <a:pos x="connsiteX1" y="connsiteY1"/>
-                </a:cxn>
-                <a:cxn ang="0">
-                  <a:pos x="connsiteX2" y="connsiteY2"/>
-                </a:cxn>
-              </a:cxnLst>
-              <a:rect l="l" t="t" r="r" b="b"/>
-              <a:pathLst>
-                <a:path w="800100" h="510540">
-                  <a:moveTo>
-                    <a:pt x="0" y="0"/>
-                  </a:moveTo>
-                  <a:cubicBezTo>
-                    <a:pt x="203835" y="14605"/>
-                    <a:pt x="407670" y="29210"/>
-                    <a:pt x="541020" y="114300"/>
-                  </a:cubicBezTo>
-                  <a:cubicBezTo>
-                    <a:pt x="674370" y="199390"/>
-                    <a:pt x="737235" y="354965"/>
-                    <a:pt x="800100" y="510540"/>
-                  </a:cubicBezTo>
-                </a:path>
-              </a:pathLst>
-            </a:custGeom>
-            <a:noFill/>
-            <a:ln w="38100">
-              <a:solidFill>
-                <a:srgbClr val="FF0000"/>
-              </a:solidFill>
-              <a:headEnd type="none" w="med" len="med"/>
-              <a:tailEnd type="triangle" w="med" len="med"/>
-            </a:ln>
-          </p:spPr>
-          <p:style>
-            <a:lnRef idx="2">
-              <a:schemeClr val="accent1">
-                <a:shade val="50000"/>
-              </a:schemeClr>
-            </a:lnRef>
-            <a:fillRef idx="1">
-              <a:schemeClr val="accent1"/>
-            </a:fillRef>
-            <a:effectRef idx="0">
-              <a:schemeClr val="accent1"/>
-            </a:effectRef>
-            <a:fontRef idx="minor">
-              <a:schemeClr val="lt1"/>
-            </a:fontRef>
-          </p:style>
-          <p:txBody>
-            <a:bodyPr rtlCol="0" anchor="ctr"/>
-            <a:lstStyle/>
-            <a:p>
-              <a:pPr algn="ctr"/>
-              <a:endParaRPr lang="es-PE"/>
-            </a:p>
-          </p:txBody>
-        </p:sp>
-        <p:sp>
-          <p:nvSpPr>
             <p:cNvPr id="93" name="CuadroTexto 92">
               <a:extLst>
                 <a:ext uri="{FF2B5EF4-FFF2-40B4-BE49-F238E27FC236}">
@@ -7493,7 +6910,7 @@
           </p:nvSpPr>
           <p:spPr>
             <a:xfrm>
-              <a:off x="7057827" y="2896798"/>
+              <a:off x="6498841" y="2652823"/>
               <a:ext cx="970137" cy="338554"/>
             </a:xfrm>
             <a:prstGeom prst="rect">
@@ -7523,52 +6940,6 @@
         </p:sp>
         <p:sp>
           <p:nvSpPr>
-            <p:cNvPr id="94" name="Signo menos 93">
-              <a:extLst>
-                <a:ext uri="{FF2B5EF4-FFF2-40B4-BE49-F238E27FC236}">
-                  <a16:creationId xmlns:a16="http://schemas.microsoft.com/office/drawing/2014/main" id="{26E32A19-9D84-20DE-0AEE-35FF3ED8D5F5}"/>
-                </a:ext>
-              </a:extLst>
-            </p:cNvPr>
-            <p:cNvSpPr/>
-            <p:nvPr/>
-          </p:nvSpPr>
-          <p:spPr>
-            <a:xfrm>
-              <a:off x="7457977" y="2765168"/>
-              <a:ext cx="180000" cy="180000"/>
-            </a:xfrm>
-            <a:prstGeom prst="mathMinus">
-              <a:avLst/>
-            </a:prstGeom>
-          </p:spPr>
-          <p:style>
-            <a:lnRef idx="2">
-              <a:schemeClr val="accent1">
-                <a:shade val="50000"/>
-              </a:schemeClr>
-            </a:lnRef>
-            <a:fillRef idx="1">
-              <a:schemeClr val="accent1"/>
-            </a:fillRef>
-            <a:effectRef idx="0">
-              <a:schemeClr val="accent1"/>
-            </a:effectRef>
-            <a:fontRef idx="minor">
-              <a:schemeClr val="lt1"/>
-            </a:fontRef>
-          </p:style>
-          <p:txBody>
-            <a:bodyPr rtlCol="0" anchor="ctr"/>
-            <a:lstStyle/>
-            <a:p>
-              <a:pPr algn="ctr"/>
-              <a:endParaRPr lang="es-PE"/>
-            </a:p>
-          </p:txBody>
-        </p:sp>
-        <p:sp>
-          <p:nvSpPr>
             <p:cNvPr id="95" name="CuadroTexto 94">
               <a:extLst>
                 <a:ext uri="{FF2B5EF4-FFF2-40B4-BE49-F238E27FC236}">
@@ -7581,8 +6952,8 @@
           </p:nvSpPr>
           <p:spPr>
             <a:xfrm>
-              <a:off x="7096123" y="3522569"/>
-              <a:ext cx="1083951" cy="338554"/>
+              <a:off x="6606231" y="3496198"/>
+              <a:ext cx="833883" cy="338554"/>
             </a:xfrm>
             <a:prstGeom prst="rect">
               <a:avLst/>
@@ -7600,150 +6971,12 @@
                   <a:latin typeface="Arial" panose="020B0604020202020204" pitchFamily="34" charset="0"/>
                   <a:cs typeface="Arial" panose="020B0604020202020204" pitchFamily="34" charset="0"/>
                 </a:rPr>
-                <a:t>soil water</a:t>
+                <a:t>Uptake</a:t>
               </a:r>
               <a:endParaRPr lang="es-PE" sz="1600" dirty="0">
                 <a:latin typeface="Arial" panose="020B0604020202020204" pitchFamily="34" charset="0"/>
                 <a:cs typeface="Arial" panose="020B0604020202020204" pitchFamily="34" charset="0"/>
               </a:endParaRPr>
-            </a:p>
-          </p:txBody>
-        </p:sp>
-        <p:sp>
-          <p:nvSpPr>
-            <p:cNvPr id="96" name="Signo menos 95">
-              <a:extLst>
-                <a:ext uri="{FF2B5EF4-FFF2-40B4-BE49-F238E27FC236}">
-                  <a16:creationId xmlns:a16="http://schemas.microsoft.com/office/drawing/2014/main" id="{EF83C8C4-11F8-1592-551B-53395C234BD0}"/>
-                </a:ext>
-              </a:extLst>
-            </p:cNvPr>
-            <p:cNvSpPr/>
-            <p:nvPr/>
-          </p:nvSpPr>
-          <p:spPr>
-            <a:xfrm>
-              <a:off x="7548098" y="3388739"/>
-              <a:ext cx="180000" cy="180000"/>
-            </a:xfrm>
-            <a:prstGeom prst="mathMinus">
-              <a:avLst/>
-            </a:prstGeom>
-          </p:spPr>
-          <p:style>
-            <a:lnRef idx="2">
-              <a:schemeClr val="accent1">
-                <a:shade val="50000"/>
-              </a:schemeClr>
-            </a:lnRef>
-            <a:fillRef idx="1">
-              <a:schemeClr val="accent1"/>
-            </a:fillRef>
-            <a:effectRef idx="0">
-              <a:schemeClr val="accent1"/>
-            </a:effectRef>
-            <a:fontRef idx="minor">
-              <a:schemeClr val="lt1"/>
-            </a:fontRef>
-          </p:style>
-          <p:txBody>
-            <a:bodyPr rtlCol="0" anchor="ctr"/>
-            <a:lstStyle/>
-            <a:p>
-              <a:pPr algn="ctr"/>
-              <a:endParaRPr lang="es-PE"/>
-            </a:p>
-          </p:txBody>
-        </p:sp>
-        <p:sp>
-          <p:nvSpPr>
-            <p:cNvPr id="97" name="Forma libre: forma 96">
-              <a:extLst>
-                <a:ext uri="{FF2B5EF4-FFF2-40B4-BE49-F238E27FC236}">
-                  <a16:creationId xmlns:a16="http://schemas.microsoft.com/office/drawing/2014/main" id="{21513F28-F7D9-015A-803C-ADF2B05F58C9}"/>
-                </a:ext>
-              </a:extLst>
-            </p:cNvPr>
-            <p:cNvSpPr/>
-            <p:nvPr/>
-          </p:nvSpPr>
-          <p:spPr>
-            <a:xfrm rot="303648">
-              <a:off x="6837718" y="3353486"/>
-              <a:ext cx="419100" cy="220980"/>
-            </a:xfrm>
-            <a:custGeom>
-              <a:avLst/>
-              <a:gdLst>
-                <a:gd name="connsiteX0" fmla="*/ 0 w 419100"/>
-                <a:gd name="connsiteY0" fmla="*/ 0 h 220980"/>
-                <a:gd name="connsiteX1" fmla="*/ 266700 w 419100"/>
-                <a:gd name="connsiteY1" fmla="*/ 53340 h 220980"/>
-                <a:gd name="connsiteX2" fmla="*/ 419100 w 419100"/>
-                <a:gd name="connsiteY2" fmla="*/ 220980 h 220980"/>
-              </a:gdLst>
-              <a:ahLst/>
-              <a:cxnLst>
-                <a:cxn ang="0">
-                  <a:pos x="connsiteX0" y="connsiteY0"/>
-                </a:cxn>
-                <a:cxn ang="0">
-                  <a:pos x="connsiteX1" y="connsiteY1"/>
-                </a:cxn>
-                <a:cxn ang="0">
-                  <a:pos x="connsiteX2" y="connsiteY2"/>
-                </a:cxn>
-              </a:cxnLst>
-              <a:rect l="l" t="t" r="r" b="b"/>
-              <a:pathLst>
-                <a:path w="419100" h="220980">
-                  <a:moveTo>
-                    <a:pt x="0" y="0"/>
-                  </a:moveTo>
-                  <a:cubicBezTo>
-                    <a:pt x="98425" y="8255"/>
-                    <a:pt x="196850" y="16510"/>
-                    <a:pt x="266700" y="53340"/>
-                  </a:cubicBezTo>
-                  <a:cubicBezTo>
-                    <a:pt x="336550" y="90170"/>
-                    <a:pt x="377825" y="155575"/>
-                    <a:pt x="419100" y="220980"/>
-                  </a:cubicBezTo>
-                </a:path>
-              </a:pathLst>
-            </a:custGeom>
-            <a:noFill/>
-            <a:ln w="38100">
-              <a:solidFill>
-                <a:srgbClr val="FF0000"/>
-              </a:solidFill>
-              <a:headEnd type="none" w="med" len="med"/>
-              <a:tailEnd type="triangle" w="med" len="med"/>
-            </a:ln>
-          </p:spPr>
-          <p:style>
-            <a:lnRef idx="2">
-              <a:schemeClr val="accent1">
-                <a:shade val="50000"/>
-              </a:schemeClr>
-            </a:lnRef>
-            <a:fillRef idx="1">
-              <a:schemeClr val="accent1"/>
-            </a:fillRef>
-            <a:effectRef idx="0">
-              <a:schemeClr val="accent1"/>
-            </a:effectRef>
-            <a:fontRef idx="minor">
-              <a:schemeClr val="lt1"/>
-            </a:fontRef>
-          </p:style>
-          <p:txBody>
-            <a:bodyPr rtlCol="0" anchor="ctr"/>
-            <a:lstStyle/>
-            <a:p>
-              <a:pPr algn="ctr"/>
-              <a:endParaRPr lang="es-PE"/>
             </a:p>
           </p:txBody>
         </p:sp>
@@ -7761,7 +6994,7 @@
           </p:nvSpPr>
           <p:spPr>
             <a:xfrm rot="789133">
-              <a:off x="4921259" y="2848128"/>
+              <a:off x="5622299" y="2848128"/>
               <a:ext cx="345082" cy="266806"/>
             </a:xfrm>
             <a:prstGeom prst="cloud">
@@ -7815,7 +7048,7 @@
           </p:nvSpPr>
           <p:spPr>
             <a:xfrm>
-              <a:off x="5257800" y="2585258"/>
+              <a:off x="5958840" y="2585258"/>
               <a:ext cx="245225" cy="635924"/>
             </a:xfrm>
             <a:custGeom>
@@ -7915,7 +7148,7 @@
           </p:nvSpPr>
           <p:spPr>
             <a:xfrm>
-              <a:off x="4983480" y="2492377"/>
+              <a:off x="5684520" y="2492377"/>
               <a:ext cx="278476" cy="500205"/>
             </a:xfrm>
             <a:custGeom>
@@ -8025,7 +7258,7 @@
           </p:nvSpPr>
           <p:spPr>
             <a:xfrm rot="1568154">
-              <a:off x="5320950" y="2734490"/>
+              <a:off x="6021990" y="2734490"/>
               <a:ext cx="345082" cy="266806"/>
             </a:xfrm>
             <a:prstGeom prst="cloud">
@@ -8079,7 +7312,7 @@
           </p:nvSpPr>
           <p:spPr>
             <a:xfrm rot="1568154">
-              <a:off x="5320950" y="2401829"/>
+              <a:off x="6021990" y="2401829"/>
               <a:ext cx="345082" cy="266806"/>
             </a:xfrm>
             <a:prstGeom prst="cloud">
@@ -8133,7 +7366,7 @@
           </p:nvSpPr>
           <p:spPr>
             <a:xfrm rot="1568154">
-              <a:off x="4745709" y="2338116"/>
+              <a:off x="5446749" y="2338116"/>
               <a:ext cx="345082" cy="266806"/>
             </a:xfrm>
             <a:prstGeom prst="cloud">
@@ -8187,7 +7420,7 @@
           </p:nvSpPr>
           <p:spPr>
             <a:xfrm rot="975715">
-              <a:off x="5004968" y="2574103"/>
+              <a:off x="5706008" y="2574103"/>
               <a:ext cx="345082" cy="266806"/>
             </a:xfrm>
             <a:prstGeom prst="cloud">
@@ -8241,7 +7474,7 @@
           </p:nvGrpSpPr>
           <p:grpSpPr>
             <a:xfrm>
-              <a:off x="4907280" y="3210560"/>
+              <a:off x="5608320" y="3210560"/>
               <a:ext cx="853440" cy="2875975"/>
               <a:chOff x="4907280" y="3210560"/>
               <a:chExt cx="853440" cy="2875975"/>
@@ -8907,7 +8140,7 @@
           </p:nvSpPr>
           <p:spPr>
             <a:xfrm>
-              <a:off x="4016125" y="2725892"/>
+              <a:off x="4483492" y="2636038"/>
               <a:ext cx="970137" cy="338554"/>
             </a:xfrm>
             <a:prstGeom prst="rect">
@@ -8937,144 +8170,6 @@
         </p:sp>
         <p:sp>
           <p:nvSpPr>
-            <p:cNvPr id="124" name="Signo más 123">
-              <a:extLst>
-                <a:ext uri="{FF2B5EF4-FFF2-40B4-BE49-F238E27FC236}">
-                  <a16:creationId xmlns:a16="http://schemas.microsoft.com/office/drawing/2014/main" id="{B693DE5E-DFAD-BFBC-C462-952B8651D159}"/>
-                </a:ext>
-              </a:extLst>
-            </p:cNvPr>
-            <p:cNvSpPr/>
-            <p:nvPr/>
-          </p:nvSpPr>
-          <p:spPr>
-            <a:xfrm>
-              <a:off x="4405978" y="2612798"/>
-              <a:ext cx="180000" cy="180000"/>
-            </a:xfrm>
-            <a:prstGeom prst="mathPlus">
-              <a:avLst/>
-            </a:prstGeom>
-          </p:spPr>
-          <p:style>
-            <a:lnRef idx="2">
-              <a:schemeClr val="accent1">
-                <a:shade val="50000"/>
-              </a:schemeClr>
-            </a:lnRef>
-            <a:fillRef idx="1">
-              <a:schemeClr val="accent1"/>
-            </a:fillRef>
-            <a:effectRef idx="0">
-              <a:schemeClr val="accent1"/>
-            </a:effectRef>
-            <a:fontRef idx="minor">
-              <a:schemeClr val="lt1"/>
-            </a:fontRef>
-          </p:style>
-          <p:txBody>
-            <a:bodyPr rtlCol="0" anchor="ctr"/>
-            <a:lstStyle/>
-            <a:p>
-              <a:pPr algn="ctr"/>
-              <a:endParaRPr lang="es-PE"/>
-            </a:p>
-          </p:txBody>
-        </p:sp>
-        <p:sp>
-          <p:nvSpPr>
-            <p:cNvPr id="125" name="Forma libre: forma 124">
-              <a:extLst>
-                <a:ext uri="{FF2B5EF4-FFF2-40B4-BE49-F238E27FC236}">
-                  <a16:creationId xmlns:a16="http://schemas.microsoft.com/office/drawing/2014/main" id="{9A0483CB-9C23-4C0A-5469-792E54B964EA}"/>
-                </a:ext>
-              </a:extLst>
-            </p:cNvPr>
-            <p:cNvSpPr/>
-            <p:nvPr/>
-          </p:nvSpPr>
-          <p:spPr>
-            <a:xfrm>
-              <a:off x="5109010" y="2011326"/>
-              <a:ext cx="110646" cy="359664"/>
-            </a:xfrm>
-            <a:custGeom>
-              <a:avLst/>
-              <a:gdLst>
-                <a:gd name="connsiteX0" fmla="*/ 148418 w 148418"/>
-                <a:gd name="connsiteY0" fmla="*/ 0 h 359664"/>
-                <a:gd name="connsiteX1" fmla="*/ 2114 w 148418"/>
-                <a:gd name="connsiteY1" fmla="*/ 170688 h 359664"/>
-                <a:gd name="connsiteX2" fmla="*/ 75266 w 148418"/>
-                <a:gd name="connsiteY2" fmla="*/ 359664 h 359664"/>
-              </a:gdLst>
-              <a:ahLst/>
-              <a:cxnLst>
-                <a:cxn ang="0">
-                  <a:pos x="connsiteX0" y="connsiteY0"/>
-                </a:cxn>
-                <a:cxn ang="0">
-                  <a:pos x="connsiteX1" y="connsiteY1"/>
-                </a:cxn>
-                <a:cxn ang="0">
-                  <a:pos x="connsiteX2" y="connsiteY2"/>
-                </a:cxn>
-              </a:cxnLst>
-              <a:rect l="l" t="t" r="r" b="b"/>
-              <a:pathLst>
-                <a:path w="148418" h="359664">
-                  <a:moveTo>
-                    <a:pt x="148418" y="0"/>
-                  </a:moveTo>
-                  <a:cubicBezTo>
-                    <a:pt x="81362" y="55372"/>
-                    <a:pt x="14306" y="110744"/>
-                    <a:pt x="2114" y="170688"/>
-                  </a:cubicBezTo>
-                  <a:cubicBezTo>
-                    <a:pt x="-10078" y="230632"/>
-                    <a:pt x="32594" y="295148"/>
-                    <a:pt x="75266" y="359664"/>
-                  </a:cubicBezTo>
-                </a:path>
-              </a:pathLst>
-            </a:custGeom>
-            <a:noFill/>
-            <a:ln w="38100">
-              <a:solidFill>
-                <a:srgbClr val="FF0000"/>
-              </a:solidFill>
-              <a:headEnd type="none" w="med" len="med"/>
-              <a:tailEnd type="triangle" w="med" len="med"/>
-            </a:ln>
-          </p:spPr>
-          <p:style>
-            <a:lnRef idx="2">
-              <a:schemeClr val="accent1">
-                <a:shade val="50000"/>
-              </a:schemeClr>
-            </a:lnRef>
-            <a:fillRef idx="1">
-              <a:schemeClr val="accent1"/>
-            </a:fillRef>
-            <a:effectRef idx="0">
-              <a:schemeClr val="accent1"/>
-            </a:effectRef>
-            <a:fontRef idx="minor">
-              <a:schemeClr val="lt1"/>
-            </a:fontRef>
-          </p:style>
-          <p:txBody>
-            <a:bodyPr rtlCol="0" anchor="ctr"/>
-            <a:lstStyle/>
-            <a:p>
-              <a:pPr algn="ctr"/>
-              <a:endParaRPr lang="es-PE"/>
-            </a:p>
-          </p:txBody>
-        </p:sp>
-        <p:sp>
-          <p:nvSpPr>
             <p:cNvPr id="126" name="CuadroTexto 125">
               <a:extLst>
                 <a:ext uri="{FF2B5EF4-FFF2-40B4-BE49-F238E27FC236}">
@@ -9087,8 +8182,8 @@
           </p:nvSpPr>
           <p:spPr>
             <a:xfrm>
-              <a:off x="4096829" y="3601780"/>
-              <a:ext cx="1083951" cy="338554"/>
+              <a:off x="4645209" y="3520255"/>
+              <a:ext cx="833883" cy="338554"/>
             </a:xfrm>
             <a:prstGeom prst="rect">
               <a:avLst/>
@@ -9106,238 +8201,12 @@
                   <a:latin typeface="Arial" panose="020B0604020202020204" pitchFamily="34" charset="0"/>
                   <a:cs typeface="Arial" panose="020B0604020202020204" pitchFamily="34" charset="0"/>
                 </a:rPr>
-                <a:t>soil water</a:t>
+                <a:t>Uptake</a:t>
               </a:r>
               <a:endParaRPr lang="es-PE" sz="1600" dirty="0">
                 <a:latin typeface="Arial" panose="020B0604020202020204" pitchFamily="34" charset="0"/>
                 <a:cs typeface="Arial" panose="020B0604020202020204" pitchFamily="34" charset="0"/>
               </a:endParaRPr>
-            </a:p>
-          </p:txBody>
-        </p:sp>
-        <p:sp>
-          <p:nvSpPr>
-            <p:cNvPr id="127" name="Signo menos 126">
-              <a:extLst>
-                <a:ext uri="{FF2B5EF4-FFF2-40B4-BE49-F238E27FC236}">
-                  <a16:creationId xmlns:a16="http://schemas.microsoft.com/office/drawing/2014/main" id="{9AB326AD-6CE8-60F6-FDD0-AEB7464B98FE}"/>
-                </a:ext>
-              </a:extLst>
-            </p:cNvPr>
-            <p:cNvSpPr/>
-            <p:nvPr/>
-          </p:nvSpPr>
-          <p:spPr>
-            <a:xfrm>
-              <a:off x="4548804" y="3467950"/>
-              <a:ext cx="180000" cy="180000"/>
-            </a:xfrm>
-            <a:prstGeom prst="mathMinus">
-              <a:avLst/>
-            </a:prstGeom>
-          </p:spPr>
-          <p:style>
-            <a:lnRef idx="2">
-              <a:schemeClr val="accent1">
-                <a:shade val="50000"/>
-              </a:schemeClr>
-            </a:lnRef>
-            <a:fillRef idx="1">
-              <a:schemeClr val="accent1"/>
-            </a:fillRef>
-            <a:effectRef idx="0">
-              <a:schemeClr val="accent1"/>
-            </a:effectRef>
-            <a:fontRef idx="minor">
-              <a:schemeClr val="lt1"/>
-            </a:fontRef>
-          </p:style>
-          <p:txBody>
-            <a:bodyPr rtlCol="0" anchor="ctr"/>
-            <a:lstStyle/>
-            <a:p>
-              <a:pPr algn="ctr"/>
-              <a:endParaRPr lang="es-PE"/>
-            </a:p>
-          </p:txBody>
-        </p:sp>
-        <p:sp>
-          <p:nvSpPr>
-            <p:cNvPr id="128" name="CuadroTexto 127">
-              <a:extLst>
-                <a:ext uri="{FF2B5EF4-FFF2-40B4-BE49-F238E27FC236}">
-                  <a16:creationId xmlns:a16="http://schemas.microsoft.com/office/drawing/2014/main" id="{9F709FCE-C55F-4FDE-47E5-E09234ABEA9F}"/>
-                </a:ext>
-              </a:extLst>
-            </p:cNvPr>
-            <p:cNvSpPr txBox="1"/>
-            <p:nvPr/>
-          </p:nvSpPr>
-          <p:spPr>
-            <a:xfrm>
-              <a:off x="5632682" y="5415807"/>
-              <a:ext cx="1083951" cy="338554"/>
-            </a:xfrm>
-            <a:prstGeom prst="rect">
-              <a:avLst/>
-            </a:prstGeom>
-            <a:noFill/>
-          </p:spPr>
-          <p:txBody>
-            <a:bodyPr wrap="none" rtlCol="0">
-              <a:spAutoFit/>
-            </a:bodyPr>
-            <a:lstStyle/>
-            <a:p>
-              <a:r>
-                <a:rPr lang="de-DE" sz="1600" dirty="0">
-                  <a:latin typeface="Arial" panose="020B0604020202020204" pitchFamily="34" charset="0"/>
-                  <a:cs typeface="Arial" panose="020B0604020202020204" pitchFamily="34" charset="0"/>
-                </a:rPr>
-                <a:t>soil water</a:t>
-              </a:r>
-              <a:endParaRPr lang="es-PE" sz="1600" dirty="0">
-                <a:latin typeface="Arial" panose="020B0604020202020204" pitchFamily="34" charset="0"/>
-                <a:cs typeface="Arial" panose="020B0604020202020204" pitchFamily="34" charset="0"/>
-              </a:endParaRPr>
-            </a:p>
-          </p:txBody>
-        </p:sp>
-        <p:sp>
-          <p:nvSpPr>
-            <p:cNvPr id="129" name="Signo menos 128">
-              <a:extLst>
-                <a:ext uri="{FF2B5EF4-FFF2-40B4-BE49-F238E27FC236}">
-                  <a16:creationId xmlns:a16="http://schemas.microsoft.com/office/drawing/2014/main" id="{09DCC1E9-3BCC-F9C3-08EB-584062F0201F}"/>
-                </a:ext>
-              </a:extLst>
-            </p:cNvPr>
-            <p:cNvSpPr/>
-            <p:nvPr/>
-          </p:nvSpPr>
-          <p:spPr>
-            <a:xfrm>
-              <a:off x="6084657" y="5281977"/>
-              <a:ext cx="180000" cy="180000"/>
-            </a:xfrm>
-            <a:prstGeom prst="mathMinus">
-              <a:avLst/>
-            </a:prstGeom>
-          </p:spPr>
-          <p:style>
-            <a:lnRef idx="2">
-              <a:schemeClr val="accent1">
-                <a:shade val="50000"/>
-              </a:schemeClr>
-            </a:lnRef>
-            <a:fillRef idx="1">
-              <a:schemeClr val="accent1"/>
-            </a:fillRef>
-            <a:effectRef idx="0">
-              <a:schemeClr val="accent1"/>
-            </a:effectRef>
-            <a:fontRef idx="minor">
-              <a:schemeClr val="lt1"/>
-            </a:fontRef>
-          </p:style>
-          <p:txBody>
-            <a:bodyPr rtlCol="0" anchor="ctr"/>
-            <a:lstStyle/>
-            <a:p>
-              <a:pPr algn="ctr"/>
-              <a:endParaRPr lang="es-PE"/>
-            </a:p>
-          </p:txBody>
-        </p:sp>
-        <p:sp>
-          <p:nvSpPr>
-            <p:cNvPr id="130" name="Forma libre: forma 129">
-              <a:extLst>
-                <a:ext uri="{FF2B5EF4-FFF2-40B4-BE49-F238E27FC236}">
-                  <a16:creationId xmlns:a16="http://schemas.microsoft.com/office/drawing/2014/main" id="{67693C96-1840-3CB9-D2CB-14C25324AFF7}"/>
-                </a:ext>
-              </a:extLst>
-            </p:cNvPr>
-            <p:cNvSpPr/>
-            <p:nvPr/>
-          </p:nvSpPr>
-          <p:spPr>
-            <a:xfrm>
-              <a:off x="5486400" y="3818467"/>
-              <a:ext cx="316483" cy="990600"/>
-            </a:xfrm>
-            <a:custGeom>
-              <a:avLst/>
-              <a:gdLst>
-                <a:gd name="connsiteX0" fmla="*/ 0 w 316483"/>
-                <a:gd name="connsiteY0" fmla="*/ 0 h 990600"/>
-                <a:gd name="connsiteX1" fmla="*/ 313267 w 316483"/>
-                <a:gd name="connsiteY1" fmla="*/ 355600 h 990600"/>
-                <a:gd name="connsiteX2" fmla="*/ 135467 w 316483"/>
-                <a:gd name="connsiteY2" fmla="*/ 990600 h 990600"/>
-              </a:gdLst>
-              <a:ahLst/>
-              <a:cxnLst>
-                <a:cxn ang="0">
-                  <a:pos x="connsiteX0" y="connsiteY0"/>
-                </a:cxn>
-                <a:cxn ang="0">
-                  <a:pos x="connsiteX1" y="connsiteY1"/>
-                </a:cxn>
-                <a:cxn ang="0">
-                  <a:pos x="connsiteX2" y="connsiteY2"/>
-                </a:cxn>
-              </a:cxnLst>
-              <a:rect l="l" t="t" r="r" b="b"/>
-              <a:pathLst>
-                <a:path w="316483" h="990600">
-                  <a:moveTo>
-                    <a:pt x="0" y="0"/>
-                  </a:moveTo>
-                  <a:cubicBezTo>
-                    <a:pt x="145344" y="95250"/>
-                    <a:pt x="290689" y="190500"/>
-                    <a:pt x="313267" y="355600"/>
-                  </a:cubicBezTo>
-                  <a:cubicBezTo>
-                    <a:pt x="335845" y="520700"/>
-                    <a:pt x="235656" y="755650"/>
-                    <a:pt x="135467" y="990600"/>
-                  </a:cubicBezTo>
-                </a:path>
-              </a:pathLst>
-            </a:custGeom>
-            <a:noFill/>
-            <a:ln w="38100">
-              <a:solidFill>
-                <a:srgbClr val="FF0000"/>
-              </a:solidFill>
-              <a:headEnd type="none" w="med" len="med"/>
-              <a:tailEnd type="triangle" w="med" len="med"/>
-            </a:ln>
-          </p:spPr>
-          <p:style>
-            <a:lnRef idx="2">
-              <a:schemeClr val="accent1">
-                <a:shade val="50000"/>
-              </a:schemeClr>
-            </a:lnRef>
-            <a:fillRef idx="1">
-              <a:schemeClr val="accent1"/>
-            </a:fillRef>
-            <a:effectRef idx="0">
-              <a:schemeClr val="accent1"/>
-            </a:effectRef>
-            <a:fontRef idx="minor">
-              <a:schemeClr val="lt1"/>
-            </a:fontRef>
-          </p:style>
-          <p:txBody>
-            <a:bodyPr rtlCol="0" anchor="ctr"/>
-            <a:lstStyle/>
-            <a:p>
-              <a:pPr algn="ctr"/>
-              <a:endParaRPr lang="es-PE"/>
             </a:p>
           </p:txBody>
         </p:sp>
@@ -9355,7 +8224,7 @@
           </p:nvGrpSpPr>
           <p:grpSpPr>
             <a:xfrm>
-              <a:off x="3279268" y="2299342"/>
+              <a:off x="3716148" y="2299342"/>
               <a:ext cx="518638" cy="930968"/>
               <a:chOff x="3275596" y="2299342"/>
               <a:chExt cx="518638" cy="930968"/>
@@ -10948,7 +9817,7 @@
           </p:nvSpPr>
           <p:spPr>
             <a:xfrm>
-              <a:off x="3478138" y="3226037"/>
+              <a:off x="3915018" y="3226037"/>
               <a:ext cx="59821" cy="1828800"/>
             </a:xfrm>
             <a:custGeom>
@@ -11026,7 +9895,7 @@
           </p:nvSpPr>
           <p:spPr>
             <a:xfrm>
-              <a:off x="3546505" y="3230310"/>
+              <a:off x="3983385" y="3230310"/>
               <a:ext cx="47002" cy="1824527"/>
             </a:xfrm>
             <a:custGeom>
@@ -11104,7 +9973,7 @@
           </p:nvSpPr>
           <p:spPr>
             <a:xfrm>
-              <a:off x="3392680" y="3226037"/>
+              <a:off x="3829560" y="3226037"/>
               <a:ext cx="145279" cy="1452785"/>
             </a:xfrm>
             <a:custGeom>
@@ -11182,7 +10051,7 @@
           </p:nvSpPr>
           <p:spPr>
             <a:xfrm>
-              <a:off x="3546505" y="3226037"/>
+              <a:off x="3983385" y="3226037"/>
               <a:ext cx="153824" cy="1538243"/>
             </a:xfrm>
             <a:custGeom>
@@ -11260,7 +10129,7 @@
           </p:nvSpPr>
           <p:spPr>
             <a:xfrm>
-              <a:off x="2382182" y="2785900"/>
+              <a:off x="2509737" y="2623925"/>
               <a:ext cx="970137" cy="338554"/>
             </a:xfrm>
             <a:prstGeom prst="rect">
@@ -11290,10 +10159,94 @@
         </p:sp>
         <p:sp>
           <p:nvSpPr>
-            <p:cNvPr id="161" name="Signo menos 160">
+            <p:cNvPr id="164" name="CuadroTexto 163">
               <a:extLst>
                 <a:ext uri="{FF2B5EF4-FFF2-40B4-BE49-F238E27FC236}">
-                  <a16:creationId xmlns:a16="http://schemas.microsoft.com/office/drawing/2014/main" id="{D814DA6B-ED32-55B9-4353-A6C59017F8F7}"/>
+                  <a16:creationId xmlns:a16="http://schemas.microsoft.com/office/drawing/2014/main" id="{4C995A3A-B0FC-D358-C3F6-4A1A7499952A}"/>
+                </a:ext>
+              </a:extLst>
+            </p:cNvPr>
+            <p:cNvSpPr txBox="1"/>
+            <p:nvPr/>
+          </p:nvSpPr>
+          <p:spPr>
+            <a:xfrm>
+              <a:off x="2798195" y="3524752"/>
+              <a:ext cx="833883" cy="338554"/>
+            </a:xfrm>
+            <a:prstGeom prst="rect">
+              <a:avLst/>
+            </a:prstGeom>
+            <a:noFill/>
+          </p:spPr>
+          <p:txBody>
+            <a:bodyPr wrap="none" rtlCol="0">
+              <a:spAutoFit/>
+            </a:bodyPr>
+            <a:lstStyle/>
+            <a:p>
+              <a:r>
+                <a:rPr lang="de-DE" sz="1600" dirty="0">
+                  <a:latin typeface="Arial" panose="020B0604020202020204" pitchFamily="34" charset="0"/>
+                  <a:cs typeface="Arial" panose="020B0604020202020204" pitchFamily="34" charset="0"/>
+                </a:rPr>
+                <a:t>Uptake</a:t>
+              </a:r>
+              <a:endParaRPr lang="es-PE" sz="1600" dirty="0">
+                <a:latin typeface="Arial" panose="020B0604020202020204" pitchFamily="34" charset="0"/>
+                <a:cs typeface="Arial" panose="020B0604020202020204" pitchFamily="34" charset="0"/>
+              </a:endParaRPr>
+            </a:p>
+          </p:txBody>
+        </p:sp>
+        <p:sp>
+          <p:nvSpPr>
+            <p:cNvPr id="5" name="CuadroTexto 4">
+              <a:extLst>
+                <a:ext uri="{FF2B5EF4-FFF2-40B4-BE49-F238E27FC236}">
+                  <a16:creationId xmlns:a16="http://schemas.microsoft.com/office/drawing/2014/main" id="{BBE94518-A71A-E4A1-7454-78B3E06F219D}"/>
+                </a:ext>
+              </a:extLst>
+            </p:cNvPr>
+            <p:cNvSpPr txBox="1"/>
+            <p:nvPr/>
+          </p:nvSpPr>
+          <p:spPr>
+            <a:xfrm>
+              <a:off x="10283379" y="3517865"/>
+              <a:ext cx="833883" cy="338554"/>
+            </a:xfrm>
+            <a:prstGeom prst="rect">
+              <a:avLst/>
+            </a:prstGeom>
+            <a:noFill/>
+          </p:spPr>
+          <p:txBody>
+            <a:bodyPr wrap="none" rtlCol="0">
+              <a:spAutoFit/>
+            </a:bodyPr>
+            <a:lstStyle/>
+            <a:p>
+              <a:r>
+                <a:rPr lang="de-DE" sz="1600" dirty="0">
+                  <a:latin typeface="Arial" panose="020B0604020202020204" pitchFamily="34" charset="0"/>
+                  <a:cs typeface="Arial" panose="020B0604020202020204" pitchFamily="34" charset="0"/>
+                </a:rPr>
+                <a:t>Uptake</a:t>
+              </a:r>
+              <a:endParaRPr lang="es-PE" sz="1600" dirty="0">
+                <a:latin typeface="Arial" panose="020B0604020202020204" pitchFamily="34" charset="0"/>
+                <a:cs typeface="Arial" panose="020B0604020202020204" pitchFamily="34" charset="0"/>
+              </a:endParaRPr>
+            </a:p>
+          </p:txBody>
+        </p:sp>
+        <p:sp>
+          <p:nvSpPr>
+            <p:cNvPr id="6" name="Flecha: hacia abajo 5">
+              <a:extLst>
+                <a:ext uri="{FF2B5EF4-FFF2-40B4-BE49-F238E27FC236}">
+                  <a16:creationId xmlns:a16="http://schemas.microsoft.com/office/drawing/2014/main" id="{23A577C5-E41D-B818-BBFC-9ACAD548888D}"/>
                 </a:ext>
               </a:extLst>
             </p:cNvPr>
@@ -11302,12 +10255,20 @@
           </p:nvSpPr>
           <p:spPr>
             <a:xfrm>
-              <a:off x="2798002" y="2694720"/>
-              <a:ext cx="180000" cy="180000"/>
+              <a:off x="11063841" y="3605153"/>
+              <a:ext cx="161261" cy="192522"/>
             </a:xfrm>
-            <a:prstGeom prst="mathMinus">
+            <a:prstGeom prst="downArrow">
               <a:avLst/>
             </a:prstGeom>
+            <a:solidFill>
+              <a:srgbClr val="FF0000"/>
+            </a:solidFill>
+            <a:ln>
+              <a:solidFill>
+                <a:srgbClr val="C00000"/>
+              </a:solidFill>
+            </a:ln>
           </p:spPr>
           <p:style>
             <a:lnRef idx="2">
@@ -11330,16 +10291,16 @@
             <a:lstStyle/>
             <a:p>
               <a:pPr algn="ctr"/>
-              <a:endParaRPr lang="es-PE"/>
+              <a:endParaRPr lang="en-US"/>
             </a:p>
           </p:txBody>
         </p:sp>
         <p:sp>
           <p:nvSpPr>
-            <p:cNvPr id="163" name="Forma libre: forma 162">
+            <p:cNvPr id="8" name="Flecha: hacia abajo 7">
               <a:extLst>
                 <a:ext uri="{FF2B5EF4-FFF2-40B4-BE49-F238E27FC236}">
-                  <a16:creationId xmlns:a16="http://schemas.microsoft.com/office/drawing/2014/main" id="{CC5ACFAC-ED71-3242-33CF-103F456487B5}"/>
+                  <a16:creationId xmlns:a16="http://schemas.microsoft.com/office/drawing/2014/main" id="{51388461-C190-69E1-1474-3E8D7ED41C2B}"/>
                 </a:ext>
               </a:extLst>
             </p:cNvPr>
@@ -11348,56 +10309,277 @@
           </p:nvSpPr>
           <p:spPr>
             <a:xfrm>
-              <a:off x="3755136" y="1871472"/>
-              <a:ext cx="871728" cy="493776"/>
+              <a:off x="11667216" y="2808209"/>
+              <a:ext cx="161261" cy="192522"/>
             </a:xfrm>
-            <a:custGeom>
+            <a:prstGeom prst="downArrow">
               <a:avLst/>
-              <a:gdLst>
-                <a:gd name="connsiteX0" fmla="*/ 871728 w 871728"/>
-                <a:gd name="connsiteY0" fmla="*/ 0 h 493776"/>
-                <a:gd name="connsiteX1" fmla="*/ 268224 w 871728"/>
-                <a:gd name="connsiteY1" fmla="*/ 188976 h 493776"/>
-                <a:gd name="connsiteX2" fmla="*/ 0 w 871728"/>
-                <a:gd name="connsiteY2" fmla="*/ 493776 h 493776"/>
-                <a:gd name="connsiteX0" fmla="*/ 871728 w 871728"/>
-                <a:gd name="connsiteY0" fmla="*/ 0 h 493776"/>
-                <a:gd name="connsiteX1" fmla="*/ 268224 w 871728"/>
-                <a:gd name="connsiteY1" fmla="*/ 188976 h 493776"/>
-                <a:gd name="connsiteX2" fmla="*/ 0 w 871728"/>
-                <a:gd name="connsiteY2" fmla="*/ 493776 h 493776"/>
-              </a:gdLst>
-              <a:ahLst/>
-              <a:cxnLst>
-                <a:cxn ang="0">
-                  <a:pos x="connsiteX0" y="connsiteY0"/>
-                </a:cxn>
-                <a:cxn ang="0">
-                  <a:pos x="connsiteX1" y="connsiteY1"/>
-                </a:cxn>
-                <a:cxn ang="0">
-                  <a:pos x="connsiteX2" y="connsiteY2"/>
-                </a:cxn>
-              </a:cxnLst>
-              <a:rect l="l" t="t" r="r" b="b"/>
-              <a:pathLst>
-                <a:path w="871728" h="493776">
-                  <a:moveTo>
-                    <a:pt x="871728" y="0"/>
-                  </a:moveTo>
-                  <a:cubicBezTo>
-                    <a:pt x="642620" y="53340"/>
-                    <a:pt x="498856" y="45720"/>
-                    <a:pt x="268224" y="188976"/>
-                  </a:cubicBezTo>
-                  <a:cubicBezTo>
-                    <a:pt x="122936" y="271272"/>
-                    <a:pt x="61468" y="382524"/>
-                    <a:pt x="0" y="493776"/>
-                  </a:cubicBezTo>
-                </a:path>
-              </a:pathLst>
-            </a:custGeom>
+            </a:prstGeom>
+            <a:solidFill>
+              <a:srgbClr val="FF0000"/>
+            </a:solidFill>
+            <a:ln>
+              <a:solidFill>
+                <a:srgbClr val="C00000"/>
+              </a:solidFill>
+            </a:ln>
+          </p:spPr>
+          <p:style>
+            <a:lnRef idx="2">
+              <a:schemeClr val="accent1">
+                <a:shade val="50000"/>
+              </a:schemeClr>
+            </a:lnRef>
+            <a:fillRef idx="1">
+              <a:schemeClr val="accent1"/>
+            </a:fillRef>
+            <a:effectRef idx="0">
+              <a:schemeClr val="accent1"/>
+            </a:effectRef>
+            <a:fontRef idx="minor">
+              <a:schemeClr val="lt1"/>
+            </a:fontRef>
+          </p:style>
+          <p:txBody>
+            <a:bodyPr rtlCol="0" anchor="ctr"/>
+            <a:lstStyle/>
+            <a:p>
+              <a:pPr algn="ctr"/>
+              <a:endParaRPr lang="en-US"/>
+            </a:p>
+          </p:txBody>
+        </p:sp>
+        <p:sp>
+          <p:nvSpPr>
+            <p:cNvPr id="9" name="Flecha: hacia abajo 8">
+              <a:extLst>
+                <a:ext uri="{FF2B5EF4-FFF2-40B4-BE49-F238E27FC236}">
+                  <a16:creationId xmlns:a16="http://schemas.microsoft.com/office/drawing/2014/main" id="{043948F1-3591-9E7F-B289-2E998257374F}"/>
+                </a:ext>
+              </a:extLst>
+            </p:cNvPr>
+            <p:cNvSpPr/>
+            <p:nvPr/>
+          </p:nvSpPr>
+          <p:spPr>
+            <a:xfrm>
+              <a:off x="11838419" y="1793133"/>
+              <a:ext cx="161261" cy="192522"/>
+            </a:xfrm>
+            <a:prstGeom prst="downArrow">
+              <a:avLst/>
+            </a:prstGeom>
+            <a:solidFill>
+              <a:srgbClr val="FF0000"/>
+            </a:solidFill>
+            <a:ln>
+              <a:solidFill>
+                <a:srgbClr val="C00000"/>
+              </a:solidFill>
+            </a:ln>
+          </p:spPr>
+          <p:style>
+            <a:lnRef idx="2">
+              <a:schemeClr val="accent1">
+                <a:shade val="50000"/>
+              </a:schemeClr>
+            </a:lnRef>
+            <a:fillRef idx="1">
+              <a:schemeClr val="accent1"/>
+            </a:fillRef>
+            <a:effectRef idx="0">
+              <a:schemeClr val="accent1"/>
+            </a:effectRef>
+            <a:fontRef idx="minor">
+              <a:schemeClr val="lt1"/>
+            </a:fontRef>
+          </p:style>
+          <p:txBody>
+            <a:bodyPr rtlCol="0" anchor="ctr"/>
+            <a:lstStyle/>
+            <a:p>
+              <a:pPr algn="ctr"/>
+              <a:endParaRPr lang="en-US"/>
+            </a:p>
+          </p:txBody>
+        </p:sp>
+        <p:sp>
+          <p:nvSpPr>
+            <p:cNvPr id="11" name="Flecha: hacia abajo 10">
+              <a:extLst>
+                <a:ext uri="{FF2B5EF4-FFF2-40B4-BE49-F238E27FC236}">
+                  <a16:creationId xmlns:a16="http://schemas.microsoft.com/office/drawing/2014/main" id="{B01AECE3-3F69-493A-A877-436305D21757}"/>
+                </a:ext>
+              </a:extLst>
+            </p:cNvPr>
+            <p:cNvSpPr/>
+            <p:nvPr/>
+          </p:nvSpPr>
+          <p:spPr>
+            <a:xfrm flipV="1">
+              <a:off x="9587609" y="3580177"/>
+              <a:ext cx="161261" cy="192522"/>
+            </a:xfrm>
+            <a:prstGeom prst="downArrow">
+              <a:avLst/>
+            </a:prstGeom>
+            <a:solidFill>
+              <a:srgbClr val="00B050"/>
+            </a:solidFill>
+            <a:ln>
+              <a:solidFill>
+                <a:schemeClr val="accent6">
+                  <a:lumMod val="75000"/>
+                </a:schemeClr>
+              </a:solidFill>
+            </a:ln>
+          </p:spPr>
+          <p:style>
+            <a:lnRef idx="2">
+              <a:schemeClr val="accent1">
+                <a:shade val="50000"/>
+              </a:schemeClr>
+            </a:lnRef>
+            <a:fillRef idx="1">
+              <a:schemeClr val="accent1"/>
+            </a:fillRef>
+            <a:effectRef idx="0">
+              <a:schemeClr val="accent1"/>
+            </a:effectRef>
+            <a:fontRef idx="minor">
+              <a:schemeClr val="lt1"/>
+            </a:fontRef>
+          </p:style>
+          <p:txBody>
+            <a:bodyPr rtlCol="0" anchor="ctr"/>
+            <a:lstStyle/>
+            <a:p>
+              <a:pPr algn="ctr"/>
+              <a:endParaRPr lang="en-US"/>
+            </a:p>
+          </p:txBody>
+        </p:sp>
+        <p:cxnSp>
+          <p:nvCxnSpPr>
+            <p:cNvPr id="15" name="Conector recto de flecha 14">
+              <a:extLst>
+                <a:ext uri="{FF2B5EF4-FFF2-40B4-BE49-F238E27FC236}">
+                  <a16:creationId xmlns:a16="http://schemas.microsoft.com/office/drawing/2014/main" id="{E770AF64-D94C-8BED-A7AE-95F69A985E71}"/>
+                </a:ext>
+              </a:extLst>
+            </p:cNvPr>
+            <p:cNvCxnSpPr>
+              <a:stCxn id="53" idx="2"/>
+              <a:endCxn id="55" idx="0"/>
+            </p:cNvCxnSpPr>
+            <p:nvPr/>
+          </p:nvCxnSpPr>
+          <p:spPr>
+            <a:xfrm>
+              <a:off x="11239416" y="2058671"/>
+              <a:ext cx="2166" cy="645087"/>
+            </a:xfrm>
+            <a:prstGeom prst="straightConnector1">
+              <a:avLst/>
+            </a:prstGeom>
+            <a:noFill/>
+            <a:ln w="38100">
+              <a:solidFill>
+                <a:srgbClr val="FF0000"/>
+              </a:solidFill>
+              <a:headEnd type="none" w="med" len="med"/>
+              <a:tailEnd type="triangle" w="med" len="med"/>
+            </a:ln>
+          </p:spPr>
+          <p:style>
+            <a:lnRef idx="2">
+              <a:schemeClr val="accent1">
+                <a:shade val="50000"/>
+              </a:schemeClr>
+            </a:lnRef>
+            <a:fillRef idx="1">
+              <a:schemeClr val="accent1"/>
+            </a:fillRef>
+            <a:effectRef idx="0">
+              <a:schemeClr val="accent1"/>
+            </a:effectRef>
+            <a:fontRef idx="minor">
+              <a:schemeClr val="lt1"/>
+            </a:fontRef>
+          </p:style>
+        </p:cxnSp>
+        <p:cxnSp>
+          <p:nvCxnSpPr>
+            <p:cNvPr id="26" name="Conector recto de flecha 25">
+              <a:extLst>
+                <a:ext uri="{FF2B5EF4-FFF2-40B4-BE49-F238E27FC236}">
+                  <a16:creationId xmlns:a16="http://schemas.microsoft.com/office/drawing/2014/main" id="{E8B10C69-FD50-CF09-993C-5CDCD321B4AF}"/>
+                </a:ext>
+              </a:extLst>
+            </p:cNvPr>
+            <p:cNvCxnSpPr>
+              <a:stCxn id="55" idx="2"/>
+              <a:endCxn id="5" idx="0"/>
+            </p:cNvCxnSpPr>
+            <p:nvPr/>
+          </p:nvCxnSpPr>
+          <p:spPr>
+            <a:xfrm flipH="1">
+              <a:off x="10700321" y="3042312"/>
+              <a:ext cx="541261" cy="475553"/>
+            </a:xfrm>
+            <a:prstGeom prst="straightConnector1">
+              <a:avLst/>
+            </a:prstGeom>
+            <a:noFill/>
+            <a:ln w="38100">
+              <a:solidFill>
+                <a:srgbClr val="FF0000"/>
+              </a:solidFill>
+              <a:headEnd type="none" w="med" len="med"/>
+              <a:tailEnd type="triangle" w="med" len="med"/>
+            </a:ln>
+          </p:spPr>
+          <p:style>
+            <a:lnRef idx="2">
+              <a:schemeClr val="accent1">
+                <a:shade val="50000"/>
+              </a:schemeClr>
+            </a:lnRef>
+            <a:fillRef idx="1">
+              <a:schemeClr val="accent1"/>
+            </a:fillRef>
+            <a:effectRef idx="0">
+              <a:schemeClr val="accent1"/>
+            </a:effectRef>
+            <a:fontRef idx="minor">
+              <a:schemeClr val="lt1"/>
+            </a:fontRef>
+          </p:style>
+        </p:cxnSp>
+        <p:sp>
+          <p:nvSpPr>
+            <p:cNvPr id="27" name="Arco 26">
+              <a:extLst>
+                <a:ext uri="{FF2B5EF4-FFF2-40B4-BE49-F238E27FC236}">
+                  <a16:creationId xmlns:a16="http://schemas.microsoft.com/office/drawing/2014/main" id="{8640D825-36DC-9F29-ADC4-B31B6FB84D87}"/>
+                </a:ext>
+              </a:extLst>
+            </p:cNvPr>
+            <p:cNvSpPr/>
+            <p:nvPr/>
+          </p:nvSpPr>
+          <p:spPr>
+            <a:xfrm rot="5400000">
+              <a:off x="9484368" y="2853159"/>
+              <a:ext cx="1061904" cy="1550606"/>
+            </a:xfrm>
+            <a:prstGeom prst="arc">
+              <a:avLst>
+                <a:gd name="adj1" fmla="val 17158315"/>
+                <a:gd name="adj2" fmla="val 4439090"/>
+              </a:avLst>
+            </a:prstGeom>
             <a:noFill/>
             <a:ln w="38100">
               <a:solidFill>
@@ -11428,16 +10610,398 @@
             <a:lstStyle/>
             <a:p>
               <a:pPr algn="ctr"/>
-              <a:endParaRPr lang="es-PE"/>
+              <a:endParaRPr lang="en-US"/>
             </a:p>
           </p:txBody>
         </p:sp>
         <p:sp>
           <p:nvSpPr>
-            <p:cNvPr id="164" name="CuadroTexto 163">
+            <p:cNvPr id="30" name="Flecha: hacia abajo 29">
               <a:extLst>
                 <a:ext uri="{FF2B5EF4-FFF2-40B4-BE49-F238E27FC236}">
-                  <a16:creationId xmlns:a16="http://schemas.microsoft.com/office/drawing/2014/main" id="{4C995A3A-B0FC-D358-C3F6-4A1A7499952A}"/>
+                  <a16:creationId xmlns:a16="http://schemas.microsoft.com/office/drawing/2014/main" id="{B3B2A506-9FD4-DB2F-F9EC-FABF4BB51034}"/>
+                </a:ext>
+              </a:extLst>
+            </p:cNvPr>
+            <p:cNvSpPr/>
+            <p:nvPr/>
+          </p:nvSpPr>
+          <p:spPr>
+            <a:xfrm>
+              <a:off x="5553037" y="1822127"/>
+              <a:ext cx="161261" cy="192522"/>
+            </a:xfrm>
+            <a:prstGeom prst="downArrow">
+              <a:avLst/>
+            </a:prstGeom>
+            <a:solidFill>
+              <a:srgbClr val="FF0000"/>
+            </a:solidFill>
+            <a:ln>
+              <a:solidFill>
+                <a:srgbClr val="C00000"/>
+              </a:solidFill>
+            </a:ln>
+          </p:spPr>
+          <p:style>
+            <a:lnRef idx="2">
+              <a:schemeClr val="accent1">
+                <a:shade val="50000"/>
+              </a:schemeClr>
+            </a:lnRef>
+            <a:fillRef idx="1">
+              <a:schemeClr val="accent1"/>
+            </a:fillRef>
+            <a:effectRef idx="0">
+              <a:schemeClr val="accent1"/>
+            </a:effectRef>
+            <a:fontRef idx="minor">
+              <a:schemeClr val="lt1"/>
+            </a:fontRef>
+          </p:style>
+          <p:txBody>
+            <a:bodyPr rtlCol="0" anchor="ctr"/>
+            <a:lstStyle/>
+            <a:p>
+              <a:pPr algn="ctr"/>
+              <a:endParaRPr lang="en-US"/>
+            </a:p>
+          </p:txBody>
+        </p:sp>
+        <p:sp>
+          <p:nvSpPr>
+            <p:cNvPr id="31" name="Flecha: hacia abajo 30">
+              <a:extLst>
+                <a:ext uri="{FF2B5EF4-FFF2-40B4-BE49-F238E27FC236}">
+                  <a16:creationId xmlns:a16="http://schemas.microsoft.com/office/drawing/2014/main" id="{3D70B833-B82F-9936-3B56-6948DB1DD7A0}"/>
+                </a:ext>
+              </a:extLst>
+            </p:cNvPr>
+            <p:cNvSpPr/>
+            <p:nvPr/>
+          </p:nvSpPr>
+          <p:spPr>
+            <a:xfrm>
+              <a:off x="7410454" y="2733548"/>
+              <a:ext cx="161261" cy="192522"/>
+            </a:xfrm>
+            <a:prstGeom prst="downArrow">
+              <a:avLst/>
+            </a:prstGeom>
+            <a:solidFill>
+              <a:srgbClr val="FF0000"/>
+            </a:solidFill>
+            <a:ln>
+              <a:solidFill>
+                <a:srgbClr val="C00000"/>
+              </a:solidFill>
+            </a:ln>
+          </p:spPr>
+          <p:style>
+            <a:lnRef idx="2">
+              <a:schemeClr val="accent1">
+                <a:shade val="50000"/>
+              </a:schemeClr>
+            </a:lnRef>
+            <a:fillRef idx="1">
+              <a:schemeClr val="accent1"/>
+            </a:fillRef>
+            <a:effectRef idx="0">
+              <a:schemeClr val="accent1"/>
+            </a:effectRef>
+            <a:fontRef idx="minor">
+              <a:schemeClr val="lt1"/>
+            </a:fontRef>
+          </p:style>
+          <p:txBody>
+            <a:bodyPr rtlCol="0" anchor="ctr"/>
+            <a:lstStyle/>
+            <a:p>
+              <a:pPr algn="ctr"/>
+              <a:endParaRPr lang="en-US"/>
+            </a:p>
+          </p:txBody>
+        </p:sp>
+        <p:sp>
+          <p:nvSpPr>
+            <p:cNvPr id="32" name="Flecha: hacia abajo 31">
+              <a:extLst>
+                <a:ext uri="{FF2B5EF4-FFF2-40B4-BE49-F238E27FC236}">
+                  <a16:creationId xmlns:a16="http://schemas.microsoft.com/office/drawing/2014/main" id="{7892F386-C4A8-A27E-C845-5D8C6A3E3F94}"/>
+                </a:ext>
+              </a:extLst>
+            </p:cNvPr>
+            <p:cNvSpPr/>
+            <p:nvPr/>
+          </p:nvSpPr>
+          <p:spPr>
+            <a:xfrm flipV="1">
+              <a:off x="5381265" y="2675371"/>
+              <a:ext cx="161261" cy="192522"/>
+            </a:xfrm>
+            <a:prstGeom prst="downArrow">
+              <a:avLst/>
+            </a:prstGeom>
+            <a:solidFill>
+              <a:srgbClr val="00B050"/>
+            </a:solidFill>
+            <a:ln>
+              <a:solidFill>
+                <a:schemeClr val="accent6">
+                  <a:lumMod val="75000"/>
+                </a:schemeClr>
+              </a:solidFill>
+            </a:ln>
+          </p:spPr>
+          <p:style>
+            <a:lnRef idx="2">
+              <a:schemeClr val="accent1">
+                <a:shade val="50000"/>
+              </a:schemeClr>
+            </a:lnRef>
+            <a:fillRef idx="1">
+              <a:schemeClr val="accent1"/>
+            </a:fillRef>
+            <a:effectRef idx="0">
+              <a:schemeClr val="accent1"/>
+            </a:effectRef>
+            <a:fontRef idx="minor">
+              <a:schemeClr val="lt1"/>
+            </a:fontRef>
+          </p:style>
+          <p:txBody>
+            <a:bodyPr rtlCol="0" anchor="ctr"/>
+            <a:lstStyle/>
+            <a:p>
+              <a:pPr algn="ctr"/>
+              <a:endParaRPr lang="en-US"/>
+            </a:p>
+          </p:txBody>
+        </p:sp>
+        <p:sp>
+          <p:nvSpPr>
+            <p:cNvPr id="33" name="Flecha: hacia abajo 32">
+              <a:extLst>
+                <a:ext uri="{FF2B5EF4-FFF2-40B4-BE49-F238E27FC236}">
+                  <a16:creationId xmlns:a16="http://schemas.microsoft.com/office/drawing/2014/main" id="{663733F0-39F8-A85E-4250-3CE283BCF3B5}"/>
+                </a:ext>
+              </a:extLst>
+            </p:cNvPr>
+            <p:cNvSpPr/>
+            <p:nvPr/>
+          </p:nvSpPr>
+          <p:spPr>
+            <a:xfrm>
+              <a:off x="3438347" y="2714593"/>
+              <a:ext cx="161261" cy="192522"/>
+            </a:xfrm>
+            <a:prstGeom prst="downArrow">
+              <a:avLst/>
+            </a:prstGeom>
+            <a:solidFill>
+              <a:srgbClr val="FF0000"/>
+            </a:solidFill>
+            <a:ln>
+              <a:solidFill>
+                <a:srgbClr val="C00000"/>
+              </a:solidFill>
+            </a:ln>
+          </p:spPr>
+          <p:style>
+            <a:lnRef idx="2">
+              <a:schemeClr val="accent1">
+                <a:shade val="50000"/>
+              </a:schemeClr>
+            </a:lnRef>
+            <a:fillRef idx="1">
+              <a:schemeClr val="accent1"/>
+            </a:fillRef>
+            <a:effectRef idx="0">
+              <a:schemeClr val="accent1"/>
+            </a:effectRef>
+            <a:fontRef idx="minor">
+              <a:schemeClr val="lt1"/>
+            </a:fontRef>
+          </p:style>
+          <p:txBody>
+            <a:bodyPr rtlCol="0" anchor="ctr"/>
+            <a:lstStyle/>
+            <a:p>
+              <a:pPr algn="ctr"/>
+              <a:endParaRPr lang="en-US"/>
+            </a:p>
+          </p:txBody>
+        </p:sp>
+        <p:sp>
+          <p:nvSpPr>
+            <p:cNvPr id="34" name="Flecha: hacia abajo 33">
+              <a:extLst>
+                <a:ext uri="{FF2B5EF4-FFF2-40B4-BE49-F238E27FC236}">
+                  <a16:creationId xmlns:a16="http://schemas.microsoft.com/office/drawing/2014/main" id="{D32B022F-5D64-4B29-434F-AE942DC2745E}"/>
+                </a:ext>
+              </a:extLst>
+            </p:cNvPr>
+            <p:cNvSpPr/>
+            <p:nvPr/>
+          </p:nvSpPr>
+          <p:spPr>
+            <a:xfrm>
+              <a:off x="7373390" y="3578782"/>
+              <a:ext cx="161261" cy="192522"/>
+            </a:xfrm>
+            <a:prstGeom prst="downArrow">
+              <a:avLst/>
+            </a:prstGeom>
+            <a:solidFill>
+              <a:srgbClr val="FF0000"/>
+            </a:solidFill>
+            <a:ln>
+              <a:solidFill>
+                <a:srgbClr val="C00000"/>
+              </a:solidFill>
+            </a:ln>
+          </p:spPr>
+          <p:style>
+            <a:lnRef idx="2">
+              <a:schemeClr val="accent1">
+                <a:shade val="50000"/>
+              </a:schemeClr>
+            </a:lnRef>
+            <a:fillRef idx="1">
+              <a:schemeClr val="accent1"/>
+            </a:fillRef>
+            <a:effectRef idx="0">
+              <a:schemeClr val="accent1"/>
+            </a:effectRef>
+            <a:fontRef idx="minor">
+              <a:schemeClr val="lt1"/>
+            </a:fontRef>
+          </p:style>
+          <p:txBody>
+            <a:bodyPr rtlCol="0" anchor="ctr"/>
+            <a:lstStyle/>
+            <a:p>
+              <a:pPr algn="ctr"/>
+              <a:endParaRPr lang="en-US"/>
+            </a:p>
+          </p:txBody>
+        </p:sp>
+        <p:sp>
+          <p:nvSpPr>
+            <p:cNvPr id="58" name="Flecha: hacia abajo 57">
+              <a:extLst>
+                <a:ext uri="{FF2B5EF4-FFF2-40B4-BE49-F238E27FC236}">
+                  <a16:creationId xmlns:a16="http://schemas.microsoft.com/office/drawing/2014/main" id="{FD83017E-DC34-C335-7022-65A8959612C4}"/>
+                </a:ext>
+              </a:extLst>
+            </p:cNvPr>
+            <p:cNvSpPr/>
+            <p:nvPr/>
+          </p:nvSpPr>
+          <p:spPr>
+            <a:xfrm flipV="1">
+              <a:off x="5431824" y="3580177"/>
+              <a:ext cx="161261" cy="192522"/>
+            </a:xfrm>
+            <a:prstGeom prst="downArrow">
+              <a:avLst/>
+            </a:prstGeom>
+            <a:solidFill>
+              <a:srgbClr val="00B050"/>
+            </a:solidFill>
+            <a:ln>
+              <a:solidFill>
+                <a:schemeClr val="accent6">
+                  <a:lumMod val="75000"/>
+                </a:schemeClr>
+              </a:solidFill>
+            </a:ln>
+          </p:spPr>
+          <p:style>
+            <a:lnRef idx="2">
+              <a:schemeClr val="accent1">
+                <a:shade val="50000"/>
+              </a:schemeClr>
+            </a:lnRef>
+            <a:fillRef idx="1">
+              <a:schemeClr val="accent1"/>
+            </a:fillRef>
+            <a:effectRef idx="0">
+              <a:schemeClr val="accent1"/>
+            </a:effectRef>
+            <a:fontRef idx="minor">
+              <a:schemeClr val="lt1"/>
+            </a:fontRef>
+          </p:style>
+          <p:txBody>
+            <a:bodyPr rtlCol="0" anchor="ctr"/>
+            <a:lstStyle/>
+            <a:p>
+              <a:pPr algn="ctr"/>
+              <a:endParaRPr lang="en-US"/>
+            </a:p>
+          </p:txBody>
+        </p:sp>
+        <p:sp>
+          <p:nvSpPr>
+            <p:cNvPr id="60" name="Flecha: hacia abajo 59">
+              <a:extLst>
+                <a:ext uri="{FF2B5EF4-FFF2-40B4-BE49-F238E27FC236}">
+                  <a16:creationId xmlns:a16="http://schemas.microsoft.com/office/drawing/2014/main" id="{4F9D5C57-C435-180C-0357-1417F876D297}"/>
+                </a:ext>
+              </a:extLst>
+            </p:cNvPr>
+            <p:cNvSpPr/>
+            <p:nvPr/>
+          </p:nvSpPr>
+          <p:spPr>
+            <a:xfrm>
+              <a:off x="3575087" y="3597768"/>
+              <a:ext cx="161261" cy="192522"/>
+            </a:xfrm>
+            <a:prstGeom prst="downArrow">
+              <a:avLst/>
+            </a:prstGeom>
+            <a:solidFill>
+              <a:srgbClr val="FF0000"/>
+            </a:solidFill>
+            <a:ln>
+              <a:solidFill>
+                <a:srgbClr val="C00000"/>
+              </a:solidFill>
+            </a:ln>
+          </p:spPr>
+          <p:style>
+            <a:lnRef idx="2">
+              <a:schemeClr val="accent1">
+                <a:shade val="50000"/>
+              </a:schemeClr>
+            </a:lnRef>
+            <a:fillRef idx="1">
+              <a:schemeClr val="accent1"/>
+            </a:fillRef>
+            <a:effectRef idx="0">
+              <a:schemeClr val="accent1"/>
+            </a:effectRef>
+            <a:fontRef idx="minor">
+              <a:schemeClr val="lt1"/>
+            </a:fontRef>
+          </p:style>
+          <p:txBody>
+            <a:bodyPr rtlCol="0" anchor="ctr"/>
+            <a:lstStyle/>
+            <a:p>
+              <a:pPr algn="ctr"/>
+              <a:endParaRPr lang="en-US"/>
+            </a:p>
+          </p:txBody>
+        </p:sp>
+        <p:sp>
+          <p:nvSpPr>
+            <p:cNvPr id="61" name="CuadroTexto 60">
+              <a:extLst>
+                <a:ext uri="{FF2B5EF4-FFF2-40B4-BE49-F238E27FC236}">
+                  <a16:creationId xmlns:a16="http://schemas.microsoft.com/office/drawing/2014/main" id="{E9892F43-5502-C072-4BBF-261355D976AF}"/>
                 </a:ext>
               </a:extLst>
             </p:cNvPr>
@@ -11446,7 +11010,7 @@
           </p:nvSpPr>
           <p:spPr>
             <a:xfrm>
-              <a:off x="2431564" y="4533539"/>
+              <a:off x="1431619" y="3459121"/>
               <a:ext cx="1083951" cy="338554"/>
             </a:xfrm>
             <a:prstGeom prst="rect">
@@ -11476,10 +11040,52 @@
         </p:sp>
         <p:sp>
           <p:nvSpPr>
-            <p:cNvPr id="166" name="Signo más 165">
+            <p:cNvPr id="68" name="CuadroTexto 67">
               <a:extLst>
                 <a:ext uri="{FF2B5EF4-FFF2-40B4-BE49-F238E27FC236}">
-                  <a16:creationId xmlns:a16="http://schemas.microsoft.com/office/drawing/2014/main" id="{2337170A-0F82-91B6-11D5-BBBB88994EA8}"/>
+                  <a16:creationId xmlns:a16="http://schemas.microsoft.com/office/drawing/2014/main" id="{A1B94415-B116-C50A-AA10-EE1B78C01079}"/>
+                </a:ext>
+              </a:extLst>
+            </p:cNvPr>
+            <p:cNvSpPr txBox="1"/>
+            <p:nvPr/>
+          </p:nvSpPr>
+          <p:spPr>
+            <a:xfrm>
+              <a:off x="1431398" y="5245897"/>
+              <a:ext cx="1083951" cy="338554"/>
+            </a:xfrm>
+            <a:prstGeom prst="rect">
+              <a:avLst/>
+            </a:prstGeom>
+            <a:noFill/>
+          </p:spPr>
+          <p:txBody>
+            <a:bodyPr wrap="none" rtlCol="0">
+              <a:spAutoFit/>
+            </a:bodyPr>
+            <a:lstStyle/>
+            <a:p>
+              <a:r>
+                <a:rPr lang="de-DE" sz="1600" dirty="0">
+                  <a:latin typeface="Arial" panose="020B0604020202020204" pitchFamily="34" charset="0"/>
+                  <a:cs typeface="Arial" panose="020B0604020202020204" pitchFamily="34" charset="0"/>
+                </a:rPr>
+                <a:t>soil water</a:t>
+              </a:r>
+              <a:endParaRPr lang="es-PE" sz="1600" dirty="0">
+                <a:latin typeface="Arial" panose="020B0604020202020204" pitchFamily="34" charset="0"/>
+                <a:cs typeface="Arial" panose="020B0604020202020204" pitchFamily="34" charset="0"/>
+              </a:endParaRPr>
+            </a:p>
+          </p:txBody>
+        </p:sp>
+        <p:sp>
+          <p:nvSpPr>
+            <p:cNvPr id="69" name="Rectángulo 68">
+              <a:extLst>
+                <a:ext uri="{FF2B5EF4-FFF2-40B4-BE49-F238E27FC236}">
+                  <a16:creationId xmlns:a16="http://schemas.microsoft.com/office/drawing/2014/main" id="{F2FED99D-7039-807A-8B5F-A4138DA26D3E}"/>
                 </a:ext>
               </a:extLst>
             </p:cNvPr>
@@ -11488,12 +11094,21 @@
           </p:nvSpPr>
           <p:spPr>
             <a:xfrm>
-              <a:off x="2869544" y="4428945"/>
-              <a:ext cx="180000" cy="180000"/>
+              <a:off x="6646716" y="3218156"/>
+              <a:ext cx="1741017" cy="727395"/>
             </a:xfrm>
-            <a:prstGeom prst="mathPlus">
+            <a:prstGeom prst="rect">
               <a:avLst/>
             </a:prstGeom>
+            <a:noFill/>
+            <a:ln w="38100">
+              <a:solidFill>
+                <a:schemeClr val="bg1">
+                  <a:lumMod val="65000"/>
+                </a:schemeClr>
+              </a:solidFill>
+              <a:prstDash val="dash"/>
+            </a:ln>
           </p:spPr>
           <p:style>
             <a:lnRef idx="2">
@@ -11516,16 +11131,104 @@
             <a:lstStyle/>
             <a:p>
               <a:pPr algn="ctr"/>
-              <a:endParaRPr lang="es-PE"/>
+              <a:endParaRPr lang="en-US"/>
             </a:p>
           </p:txBody>
         </p:sp>
+        <p:cxnSp>
+          <p:nvCxnSpPr>
+            <p:cNvPr id="99" name="Conector recto 98">
+              <a:extLst>
+                <a:ext uri="{FF2B5EF4-FFF2-40B4-BE49-F238E27FC236}">
+                  <a16:creationId xmlns:a16="http://schemas.microsoft.com/office/drawing/2014/main" id="{0387FBBA-D8CF-D853-19C2-990E754D4B8E}"/>
+                </a:ext>
+              </a:extLst>
+            </p:cNvPr>
+            <p:cNvCxnSpPr/>
+            <p:nvPr/>
+          </p:nvCxnSpPr>
+          <p:spPr>
+            <a:xfrm>
+              <a:off x="11414361" y="3959860"/>
+              <a:ext cx="144000" cy="0"/>
+            </a:xfrm>
+            <a:prstGeom prst="line">
+              <a:avLst/>
+            </a:prstGeom>
+            <a:ln w="28575">
+              <a:solidFill>
+                <a:schemeClr val="tx1">
+                  <a:lumMod val="95000"/>
+                  <a:lumOff val="5000"/>
+                </a:schemeClr>
+              </a:solidFill>
+            </a:ln>
+          </p:spPr>
+          <p:style>
+            <a:lnRef idx="1">
+              <a:schemeClr val="accent1"/>
+            </a:lnRef>
+            <a:fillRef idx="0">
+              <a:schemeClr val="accent1"/>
+            </a:fillRef>
+            <a:effectRef idx="0">
+              <a:schemeClr val="accent1"/>
+            </a:effectRef>
+            <a:fontRef idx="minor">
+              <a:schemeClr val="tx1"/>
+            </a:fontRef>
+          </p:style>
+        </p:cxnSp>
+        <p:cxnSp>
+          <p:nvCxnSpPr>
+            <p:cNvPr id="100" name="Conector recto 99">
+              <a:extLst>
+                <a:ext uri="{FF2B5EF4-FFF2-40B4-BE49-F238E27FC236}">
+                  <a16:creationId xmlns:a16="http://schemas.microsoft.com/office/drawing/2014/main" id="{2BB8F4F4-837E-AB06-F955-59ECC458C272}"/>
+                </a:ext>
+              </a:extLst>
+            </p:cNvPr>
+            <p:cNvCxnSpPr/>
+            <p:nvPr/>
+          </p:nvCxnSpPr>
+          <p:spPr>
+            <a:xfrm>
+              <a:off x="11414361" y="6089164"/>
+              <a:ext cx="144000" cy="0"/>
+            </a:xfrm>
+            <a:prstGeom prst="line">
+              <a:avLst/>
+            </a:prstGeom>
+            <a:ln w="28575">
+              <a:solidFill>
+                <a:schemeClr val="tx1">
+                  <a:lumMod val="95000"/>
+                  <a:lumOff val="5000"/>
+                </a:schemeClr>
+              </a:solidFill>
+            </a:ln>
+          </p:spPr>
+          <p:style>
+            <a:lnRef idx="1">
+              <a:schemeClr val="accent1"/>
+            </a:lnRef>
+            <a:fillRef idx="0">
+              <a:schemeClr val="accent1"/>
+            </a:fillRef>
+            <a:effectRef idx="0">
+              <a:schemeClr val="accent1"/>
+            </a:effectRef>
+            <a:fontRef idx="minor">
+              <a:schemeClr val="tx1"/>
+            </a:fontRef>
+          </p:style>
+        </p:cxnSp>
         <p:sp>
           <p:nvSpPr>
-            <p:cNvPr id="168" name="Forma libre: forma 167">
+            <p:cNvPr id="101" name="Rectángulo 100">
               <a:extLst>
                 <a:ext uri="{FF2B5EF4-FFF2-40B4-BE49-F238E27FC236}">
-                  <a16:creationId xmlns:a16="http://schemas.microsoft.com/office/drawing/2014/main" id="{54E43151-C1B7-263B-AC8D-0EBB48A86C27}"/>
+                  <a16:creationId xmlns:a16="http://schemas.microsoft.com/office/drawing/2014/main" id="{44D7F587-D6A2-B90D-A68C-6AD38FDC17CE}"/>
                 </a:ext>
               </a:extLst>
             </p:cNvPr>
@@ -11534,50 +11237,231 @@
           </p:nvSpPr>
           <p:spPr>
             <a:xfrm>
-              <a:off x="3070286" y="3488267"/>
-              <a:ext cx="324847" cy="863600"/>
+              <a:off x="4655692" y="3218156"/>
+              <a:ext cx="1791650" cy="2868379"/>
             </a:xfrm>
-            <a:custGeom>
+            <a:prstGeom prst="rect">
               <a:avLst/>
-              <a:gdLst>
-                <a:gd name="connsiteX0" fmla="*/ 324847 w 324847"/>
-                <a:gd name="connsiteY0" fmla="*/ 0 h 863600"/>
-                <a:gd name="connsiteX1" fmla="*/ 28514 w 324847"/>
-                <a:gd name="connsiteY1" fmla="*/ 262466 h 863600"/>
-                <a:gd name="connsiteX2" fmla="*/ 28514 w 324847"/>
-                <a:gd name="connsiteY2" fmla="*/ 863600 h 863600"/>
-              </a:gdLst>
-              <a:ahLst/>
-              <a:cxnLst>
-                <a:cxn ang="0">
-                  <a:pos x="connsiteX0" y="connsiteY0"/>
-                </a:cxn>
-                <a:cxn ang="0">
-                  <a:pos x="connsiteX1" y="connsiteY1"/>
-                </a:cxn>
-                <a:cxn ang="0">
-                  <a:pos x="connsiteX2" y="connsiteY2"/>
-                </a:cxn>
-              </a:cxnLst>
-              <a:rect l="l" t="t" r="r" b="b"/>
-              <a:pathLst>
-                <a:path w="324847" h="863600">
-                  <a:moveTo>
-                    <a:pt x="324847" y="0"/>
-                  </a:moveTo>
-                  <a:cubicBezTo>
-                    <a:pt x="201375" y="59266"/>
-                    <a:pt x="77903" y="118533"/>
-                    <a:pt x="28514" y="262466"/>
-                  </a:cubicBezTo>
-                  <a:cubicBezTo>
-                    <a:pt x="-20875" y="406399"/>
-                    <a:pt x="3819" y="634999"/>
-                    <a:pt x="28514" y="863600"/>
-                  </a:cubicBezTo>
-                </a:path>
-              </a:pathLst>
-            </a:custGeom>
+            </a:prstGeom>
+            <a:noFill/>
+            <a:ln w="38100">
+              <a:solidFill>
+                <a:schemeClr val="bg1">
+                  <a:lumMod val="65000"/>
+                </a:schemeClr>
+              </a:solidFill>
+              <a:prstDash val="dash"/>
+            </a:ln>
+          </p:spPr>
+          <p:style>
+            <a:lnRef idx="2">
+              <a:schemeClr val="accent1">
+                <a:shade val="50000"/>
+              </a:schemeClr>
+            </a:lnRef>
+            <a:fillRef idx="1">
+              <a:schemeClr val="accent1"/>
+            </a:fillRef>
+            <a:effectRef idx="0">
+              <a:schemeClr val="accent1"/>
+            </a:effectRef>
+            <a:fontRef idx="minor">
+              <a:schemeClr val="lt1"/>
+            </a:fontRef>
+          </p:style>
+          <p:txBody>
+            <a:bodyPr rtlCol="0" anchor="ctr"/>
+            <a:lstStyle/>
+            <a:p>
+              <a:pPr algn="ctr"/>
+              <a:endParaRPr lang="en-US"/>
+            </a:p>
+          </p:txBody>
+        </p:sp>
+        <p:sp>
+          <p:nvSpPr>
+            <p:cNvPr id="102" name="Rectángulo 101">
+              <a:extLst>
+                <a:ext uri="{FF2B5EF4-FFF2-40B4-BE49-F238E27FC236}">
+                  <a16:creationId xmlns:a16="http://schemas.microsoft.com/office/drawing/2014/main" id="{3331F5A2-2437-4096-7B76-582ED2311FF5}"/>
+                </a:ext>
+              </a:extLst>
+            </p:cNvPr>
+            <p:cNvSpPr/>
+            <p:nvPr/>
+          </p:nvSpPr>
+          <p:spPr>
+            <a:xfrm>
+              <a:off x="2822033" y="3218156"/>
+              <a:ext cx="1573108" cy="1824527"/>
+            </a:xfrm>
+            <a:prstGeom prst="rect">
+              <a:avLst/>
+            </a:prstGeom>
+            <a:noFill/>
+            <a:ln w="38100">
+              <a:solidFill>
+                <a:schemeClr val="bg1">
+                  <a:lumMod val="65000"/>
+                </a:schemeClr>
+              </a:solidFill>
+              <a:prstDash val="dash"/>
+            </a:ln>
+          </p:spPr>
+          <p:style>
+            <a:lnRef idx="2">
+              <a:schemeClr val="accent1">
+                <a:shade val="50000"/>
+              </a:schemeClr>
+            </a:lnRef>
+            <a:fillRef idx="1">
+              <a:schemeClr val="accent1"/>
+            </a:fillRef>
+            <a:effectRef idx="0">
+              <a:schemeClr val="accent1"/>
+            </a:effectRef>
+            <a:fontRef idx="minor">
+              <a:schemeClr val="lt1"/>
+            </a:fontRef>
+          </p:style>
+          <p:txBody>
+            <a:bodyPr rtlCol="0" anchor="ctr"/>
+            <a:lstStyle/>
+            <a:p>
+              <a:pPr algn="ctr"/>
+              <a:endParaRPr lang="en-US"/>
+            </a:p>
+          </p:txBody>
+        </p:sp>
+        <p:cxnSp>
+          <p:nvCxnSpPr>
+            <p:cNvPr id="104" name="Conector recto de flecha 103">
+              <a:extLst>
+                <a:ext uri="{FF2B5EF4-FFF2-40B4-BE49-F238E27FC236}">
+                  <a16:creationId xmlns:a16="http://schemas.microsoft.com/office/drawing/2014/main" id="{6821E990-3F09-6922-A2F2-CC3C9B6FC079}"/>
+                </a:ext>
+              </a:extLst>
+            </p:cNvPr>
+            <p:cNvCxnSpPr>
+              <a:stCxn id="90" idx="2"/>
+              <a:endCxn id="122" idx="0"/>
+            </p:cNvCxnSpPr>
+            <p:nvPr/>
+          </p:nvCxnSpPr>
+          <p:spPr>
+            <a:xfrm flipH="1">
+              <a:off x="4968561" y="2064755"/>
+              <a:ext cx="1396" cy="571283"/>
+            </a:xfrm>
+            <a:prstGeom prst="straightConnector1">
+              <a:avLst/>
+            </a:prstGeom>
+            <a:noFill/>
+            <a:ln w="38100">
+              <a:solidFill>
+                <a:srgbClr val="FF0000"/>
+              </a:solidFill>
+              <a:headEnd type="none" w="med" len="med"/>
+              <a:tailEnd type="triangle" w="med" len="med"/>
+            </a:ln>
+          </p:spPr>
+          <p:style>
+            <a:lnRef idx="2">
+              <a:schemeClr val="accent1">
+                <a:shade val="50000"/>
+              </a:schemeClr>
+            </a:lnRef>
+            <a:fillRef idx="1">
+              <a:schemeClr val="accent1"/>
+            </a:fillRef>
+            <a:effectRef idx="0">
+              <a:schemeClr val="accent1"/>
+            </a:effectRef>
+            <a:fontRef idx="minor">
+              <a:schemeClr val="lt1"/>
+            </a:fontRef>
+          </p:style>
+        </p:cxnSp>
+        <p:sp>
+          <p:nvSpPr>
+            <p:cNvPr id="131" name="Arco 130">
+              <a:extLst>
+                <a:ext uri="{FF2B5EF4-FFF2-40B4-BE49-F238E27FC236}">
+                  <a16:creationId xmlns:a16="http://schemas.microsoft.com/office/drawing/2014/main" id="{14D09C40-21F4-DE30-31A6-E19C473A5CCA}"/>
+                </a:ext>
+              </a:extLst>
+            </p:cNvPr>
+            <p:cNvSpPr/>
+            <p:nvPr/>
+          </p:nvSpPr>
+          <p:spPr>
+            <a:xfrm rot="16200000">
+              <a:off x="3572526" y="1325348"/>
+              <a:ext cx="1279630" cy="2410539"/>
+            </a:xfrm>
+            <a:prstGeom prst="arc">
+              <a:avLst>
+                <a:gd name="adj1" fmla="val 16032047"/>
+                <a:gd name="adj2" fmla="val 89449"/>
+              </a:avLst>
+            </a:prstGeom>
+            <a:noFill/>
+            <a:ln w="38100">
+              <a:solidFill>
+                <a:srgbClr val="FF0000"/>
+              </a:solidFill>
+              <a:headEnd type="triangle" w="med" len="med"/>
+              <a:tailEnd type="none" w="med" len="med"/>
+            </a:ln>
+          </p:spPr>
+          <p:style>
+            <a:lnRef idx="2">
+              <a:schemeClr val="accent1">
+                <a:shade val="50000"/>
+              </a:schemeClr>
+            </a:lnRef>
+            <a:fillRef idx="1">
+              <a:schemeClr val="accent1"/>
+            </a:fillRef>
+            <a:effectRef idx="0">
+              <a:schemeClr val="accent1"/>
+            </a:effectRef>
+            <a:fontRef idx="minor">
+              <a:schemeClr val="lt1"/>
+            </a:fontRef>
+          </p:style>
+          <p:txBody>
+            <a:bodyPr rtlCol="0" anchor="ctr"/>
+            <a:lstStyle/>
+            <a:p>
+              <a:pPr algn="ctr"/>
+              <a:endParaRPr lang="en-US"/>
+            </a:p>
+          </p:txBody>
+        </p:sp>
+        <p:sp>
+          <p:nvSpPr>
+            <p:cNvPr id="132" name="Arco 131">
+              <a:extLst>
+                <a:ext uri="{FF2B5EF4-FFF2-40B4-BE49-F238E27FC236}">
+                  <a16:creationId xmlns:a16="http://schemas.microsoft.com/office/drawing/2014/main" id="{0A64F363-351E-9F8D-7502-1FE3E2F41004}"/>
+                </a:ext>
+              </a:extLst>
+            </p:cNvPr>
+            <p:cNvSpPr/>
+            <p:nvPr/>
+          </p:nvSpPr>
+          <p:spPr>
+            <a:xfrm rot="16200000">
+              <a:off x="5411703" y="1605118"/>
+              <a:ext cx="1279630" cy="1874423"/>
+            </a:xfrm>
+            <a:prstGeom prst="arc">
+              <a:avLst>
+                <a:gd name="adj1" fmla="val 21345433"/>
+                <a:gd name="adj2" fmla="val 5520151"/>
+              </a:avLst>
+            </a:prstGeom>
             <a:noFill/>
             <a:ln w="38100">
               <a:solidFill>
@@ -11608,7 +11492,453 @@
             <a:lstStyle/>
             <a:p>
               <a:pPr algn="ctr"/>
-              <a:endParaRPr lang="es-PE"/>
+              <a:endParaRPr lang="en-US"/>
+            </a:p>
+          </p:txBody>
+        </p:sp>
+        <p:cxnSp>
+          <p:nvCxnSpPr>
+            <p:cNvPr id="140" name="Conector recto de flecha 139">
+              <a:extLst>
+                <a:ext uri="{FF2B5EF4-FFF2-40B4-BE49-F238E27FC236}">
+                  <a16:creationId xmlns:a16="http://schemas.microsoft.com/office/drawing/2014/main" id="{F6DDBF11-6613-5387-8AE3-12A6CDC16024}"/>
+                </a:ext>
+              </a:extLst>
+            </p:cNvPr>
+            <p:cNvCxnSpPr>
+              <a:cxnSpLocks/>
+            </p:cNvCxnSpPr>
+            <p:nvPr/>
+          </p:nvCxnSpPr>
+          <p:spPr>
+            <a:xfrm>
+              <a:off x="6982392" y="2980023"/>
+              <a:ext cx="6717" cy="494208"/>
+            </a:xfrm>
+            <a:prstGeom prst="straightConnector1">
+              <a:avLst/>
+            </a:prstGeom>
+            <a:noFill/>
+            <a:ln w="38100">
+              <a:solidFill>
+                <a:srgbClr val="FF0000"/>
+              </a:solidFill>
+              <a:headEnd type="none" w="med" len="med"/>
+              <a:tailEnd type="triangle" w="med" len="med"/>
+            </a:ln>
+          </p:spPr>
+          <p:style>
+            <a:lnRef idx="2">
+              <a:schemeClr val="accent1">
+                <a:shade val="50000"/>
+              </a:schemeClr>
+            </a:lnRef>
+            <a:fillRef idx="1">
+              <a:schemeClr val="accent1"/>
+            </a:fillRef>
+            <a:effectRef idx="0">
+              <a:schemeClr val="accent1"/>
+            </a:effectRef>
+            <a:fontRef idx="minor">
+              <a:schemeClr val="lt1"/>
+            </a:fontRef>
+          </p:style>
+        </p:cxnSp>
+        <p:cxnSp>
+          <p:nvCxnSpPr>
+            <p:cNvPr id="150" name="Conector recto de flecha 149">
+              <a:extLst>
+                <a:ext uri="{FF2B5EF4-FFF2-40B4-BE49-F238E27FC236}">
+                  <a16:creationId xmlns:a16="http://schemas.microsoft.com/office/drawing/2014/main" id="{AF3BD52F-5DA5-9AE5-6B43-B62565F7793C}"/>
+                </a:ext>
+              </a:extLst>
+            </p:cNvPr>
+            <p:cNvCxnSpPr>
+              <a:cxnSpLocks/>
+            </p:cNvCxnSpPr>
+            <p:nvPr/>
+          </p:nvCxnSpPr>
+          <p:spPr>
+            <a:xfrm>
+              <a:off x="3007244" y="2974078"/>
+              <a:ext cx="6717" cy="494208"/>
+            </a:xfrm>
+            <a:prstGeom prst="straightConnector1">
+              <a:avLst/>
+            </a:prstGeom>
+            <a:noFill/>
+            <a:ln w="38100">
+              <a:solidFill>
+                <a:srgbClr val="FF0000"/>
+              </a:solidFill>
+              <a:headEnd type="none" w="med" len="med"/>
+              <a:tailEnd type="triangle" w="med" len="med"/>
+            </a:ln>
+          </p:spPr>
+          <p:style>
+            <a:lnRef idx="2">
+              <a:schemeClr val="accent1">
+                <a:shade val="50000"/>
+              </a:schemeClr>
+            </a:lnRef>
+            <a:fillRef idx="1">
+              <a:schemeClr val="accent1"/>
+            </a:fillRef>
+            <a:effectRef idx="0">
+              <a:schemeClr val="accent1"/>
+            </a:effectRef>
+            <a:fontRef idx="minor">
+              <a:schemeClr val="lt1"/>
+            </a:fontRef>
+          </p:style>
+        </p:cxnSp>
+        <p:cxnSp>
+          <p:nvCxnSpPr>
+            <p:cNvPr id="158" name="Conector recto de flecha 157">
+              <a:extLst>
+                <a:ext uri="{FF2B5EF4-FFF2-40B4-BE49-F238E27FC236}">
+                  <a16:creationId xmlns:a16="http://schemas.microsoft.com/office/drawing/2014/main" id="{71AF403E-5E29-12CC-F56C-E23D87C3769F}"/>
+                </a:ext>
+              </a:extLst>
+            </p:cNvPr>
+            <p:cNvCxnSpPr>
+              <a:cxnSpLocks/>
+            </p:cNvCxnSpPr>
+            <p:nvPr/>
+          </p:nvCxnSpPr>
+          <p:spPr>
+            <a:xfrm>
+              <a:off x="4969638" y="2990533"/>
+              <a:ext cx="6717" cy="494208"/>
+            </a:xfrm>
+            <a:prstGeom prst="straightConnector1">
+              <a:avLst/>
+            </a:prstGeom>
+            <a:noFill/>
+            <a:ln w="38100">
+              <a:solidFill>
+                <a:srgbClr val="FF0000"/>
+              </a:solidFill>
+              <a:headEnd type="none" w="med" len="med"/>
+              <a:tailEnd type="triangle" w="med" len="med"/>
+            </a:ln>
+          </p:spPr>
+          <p:style>
+            <a:lnRef idx="2">
+              <a:schemeClr val="accent1">
+                <a:shade val="50000"/>
+              </a:schemeClr>
+            </a:lnRef>
+            <a:fillRef idx="1">
+              <a:schemeClr val="accent1"/>
+            </a:fillRef>
+            <a:effectRef idx="0">
+              <a:schemeClr val="accent1"/>
+            </a:effectRef>
+            <a:fontRef idx="minor">
+              <a:schemeClr val="lt1"/>
+            </a:fontRef>
+          </p:style>
+        </p:cxnSp>
+        <p:sp>
+          <p:nvSpPr>
+            <p:cNvPr id="160" name="CuadroTexto 159">
+              <a:extLst>
+                <a:ext uri="{FF2B5EF4-FFF2-40B4-BE49-F238E27FC236}">
+                  <a16:creationId xmlns:a16="http://schemas.microsoft.com/office/drawing/2014/main" id="{03F76AF4-2167-0623-13C4-D75C25583D58}"/>
+                </a:ext>
+              </a:extLst>
+            </p:cNvPr>
+            <p:cNvSpPr txBox="1"/>
+            <p:nvPr/>
+          </p:nvSpPr>
+          <p:spPr>
+            <a:xfrm>
+              <a:off x="1439508" y="4295566"/>
+              <a:ext cx="1083951" cy="338554"/>
+            </a:xfrm>
+            <a:prstGeom prst="rect">
+              <a:avLst/>
+            </a:prstGeom>
+            <a:noFill/>
+          </p:spPr>
+          <p:txBody>
+            <a:bodyPr wrap="none" rtlCol="0">
+              <a:spAutoFit/>
+            </a:bodyPr>
+            <a:lstStyle/>
+            <a:p>
+              <a:r>
+                <a:rPr lang="de-DE" sz="1600" dirty="0">
+                  <a:latin typeface="Arial" panose="020B0604020202020204" pitchFamily="34" charset="0"/>
+                  <a:cs typeface="Arial" panose="020B0604020202020204" pitchFamily="34" charset="0"/>
+                </a:rPr>
+                <a:t>soil water</a:t>
+              </a:r>
+              <a:endParaRPr lang="es-PE" sz="1600" dirty="0">
+                <a:latin typeface="Arial" panose="020B0604020202020204" pitchFamily="34" charset="0"/>
+                <a:cs typeface="Arial" panose="020B0604020202020204" pitchFamily="34" charset="0"/>
+              </a:endParaRPr>
+            </a:p>
+          </p:txBody>
+        </p:sp>
+        <p:cxnSp>
+          <p:nvCxnSpPr>
+            <p:cNvPr id="165" name="Conector recto 164">
+              <a:extLst>
+                <a:ext uri="{FF2B5EF4-FFF2-40B4-BE49-F238E27FC236}">
+                  <a16:creationId xmlns:a16="http://schemas.microsoft.com/office/drawing/2014/main" id="{17094EBB-72D2-6810-2977-B3B0CD342DD0}"/>
+                </a:ext>
+              </a:extLst>
+            </p:cNvPr>
+            <p:cNvCxnSpPr>
+              <a:cxnSpLocks/>
+            </p:cNvCxnSpPr>
+            <p:nvPr/>
+          </p:nvCxnSpPr>
+          <p:spPr>
+            <a:xfrm>
+              <a:off x="1439508" y="3952240"/>
+              <a:ext cx="7112953" cy="0"/>
+            </a:xfrm>
+            <a:prstGeom prst="line">
+              <a:avLst/>
+            </a:prstGeom>
+            <a:noFill/>
+            <a:ln w="19050">
+              <a:solidFill>
+                <a:schemeClr val="bg1">
+                  <a:lumMod val="65000"/>
+                </a:schemeClr>
+              </a:solidFill>
+              <a:prstDash val="sysDot"/>
+            </a:ln>
+          </p:spPr>
+          <p:style>
+            <a:lnRef idx="2">
+              <a:schemeClr val="accent1">
+                <a:shade val="50000"/>
+              </a:schemeClr>
+            </a:lnRef>
+            <a:fillRef idx="1">
+              <a:schemeClr val="accent1"/>
+            </a:fillRef>
+            <a:effectRef idx="0">
+              <a:schemeClr val="accent1"/>
+            </a:effectRef>
+            <a:fontRef idx="minor">
+              <a:schemeClr val="lt1"/>
+            </a:fontRef>
+          </p:style>
+        </p:cxnSp>
+        <p:cxnSp>
+          <p:nvCxnSpPr>
+            <p:cNvPr id="170" name="Conector recto 169">
+              <a:extLst>
+                <a:ext uri="{FF2B5EF4-FFF2-40B4-BE49-F238E27FC236}">
+                  <a16:creationId xmlns:a16="http://schemas.microsoft.com/office/drawing/2014/main" id="{B6C8240C-0A5A-908F-BC75-90701BE26EAC}"/>
+                </a:ext>
+              </a:extLst>
+            </p:cNvPr>
+            <p:cNvCxnSpPr/>
+            <p:nvPr/>
+          </p:nvCxnSpPr>
+          <p:spPr>
+            <a:xfrm>
+              <a:off x="1439508" y="5054837"/>
+              <a:ext cx="7112953" cy="0"/>
+            </a:xfrm>
+            <a:prstGeom prst="line">
+              <a:avLst/>
+            </a:prstGeom>
+            <a:noFill/>
+            <a:ln w="19050">
+              <a:solidFill>
+                <a:schemeClr val="bg1">
+                  <a:lumMod val="65000"/>
+                </a:schemeClr>
+              </a:solidFill>
+              <a:prstDash val="sysDot"/>
+            </a:ln>
+          </p:spPr>
+          <p:style>
+            <a:lnRef idx="2">
+              <a:schemeClr val="accent1">
+                <a:shade val="50000"/>
+              </a:schemeClr>
+            </a:lnRef>
+            <a:fillRef idx="1">
+              <a:schemeClr val="accent1"/>
+            </a:fillRef>
+            <a:effectRef idx="0">
+              <a:schemeClr val="accent1"/>
+            </a:effectRef>
+            <a:fontRef idx="minor">
+              <a:schemeClr val="lt1"/>
+            </a:fontRef>
+          </p:style>
+        </p:cxnSp>
+        <p:sp>
+          <p:nvSpPr>
+            <p:cNvPr id="172" name="Flecha: hacia abajo 171">
+              <a:extLst>
+                <a:ext uri="{FF2B5EF4-FFF2-40B4-BE49-F238E27FC236}">
+                  <a16:creationId xmlns:a16="http://schemas.microsoft.com/office/drawing/2014/main" id="{B32730D7-A958-764F-B55E-AA61FC6D4B94}"/>
+                </a:ext>
+              </a:extLst>
+            </p:cNvPr>
+            <p:cNvSpPr/>
+            <p:nvPr/>
+          </p:nvSpPr>
+          <p:spPr>
+            <a:xfrm flipV="1">
+              <a:off x="2450370" y="4371828"/>
+              <a:ext cx="161261" cy="192522"/>
+            </a:xfrm>
+            <a:prstGeom prst="downArrow">
+              <a:avLst/>
+            </a:prstGeom>
+            <a:solidFill>
+              <a:srgbClr val="00B050"/>
+            </a:solidFill>
+            <a:ln>
+              <a:solidFill>
+                <a:schemeClr val="accent6">
+                  <a:lumMod val="75000"/>
+                </a:schemeClr>
+              </a:solidFill>
+            </a:ln>
+          </p:spPr>
+          <p:style>
+            <a:lnRef idx="2">
+              <a:schemeClr val="accent1">
+                <a:shade val="50000"/>
+              </a:schemeClr>
+            </a:lnRef>
+            <a:fillRef idx="1">
+              <a:schemeClr val="accent1"/>
+            </a:fillRef>
+            <a:effectRef idx="0">
+              <a:schemeClr val="accent1"/>
+            </a:effectRef>
+            <a:fontRef idx="minor">
+              <a:schemeClr val="lt1"/>
+            </a:fontRef>
+          </p:style>
+          <p:txBody>
+            <a:bodyPr rtlCol="0" anchor="ctr"/>
+            <a:lstStyle/>
+            <a:p>
+              <a:pPr algn="ctr"/>
+              <a:endParaRPr lang="en-US"/>
+            </a:p>
+          </p:txBody>
+        </p:sp>
+        <p:sp>
+          <p:nvSpPr>
+            <p:cNvPr id="173" name="Flecha: hacia abajo 172">
+              <a:extLst>
+                <a:ext uri="{FF2B5EF4-FFF2-40B4-BE49-F238E27FC236}">
+                  <a16:creationId xmlns:a16="http://schemas.microsoft.com/office/drawing/2014/main" id="{78C4C0B7-4EEF-D967-A9B1-C41D0C14BFBF}"/>
+                </a:ext>
+              </a:extLst>
+            </p:cNvPr>
+            <p:cNvSpPr/>
+            <p:nvPr/>
+          </p:nvSpPr>
+          <p:spPr>
+            <a:xfrm>
+              <a:off x="2447199" y="3597768"/>
+              <a:ext cx="161261" cy="192522"/>
+            </a:xfrm>
+            <a:prstGeom prst="downArrow">
+              <a:avLst/>
+            </a:prstGeom>
+            <a:solidFill>
+              <a:srgbClr val="FF0000"/>
+            </a:solidFill>
+            <a:ln>
+              <a:solidFill>
+                <a:srgbClr val="C00000"/>
+              </a:solidFill>
+            </a:ln>
+          </p:spPr>
+          <p:style>
+            <a:lnRef idx="2">
+              <a:schemeClr val="accent1">
+                <a:shade val="50000"/>
+              </a:schemeClr>
+            </a:lnRef>
+            <a:fillRef idx="1">
+              <a:schemeClr val="accent1"/>
+            </a:fillRef>
+            <a:effectRef idx="0">
+              <a:schemeClr val="accent1"/>
+            </a:effectRef>
+            <a:fontRef idx="minor">
+              <a:schemeClr val="lt1"/>
+            </a:fontRef>
+          </p:style>
+          <p:txBody>
+            <a:bodyPr rtlCol="0" anchor="ctr"/>
+            <a:lstStyle/>
+            <a:p>
+              <a:pPr algn="ctr"/>
+              <a:endParaRPr lang="en-US"/>
+            </a:p>
+          </p:txBody>
+        </p:sp>
+        <p:sp>
+          <p:nvSpPr>
+            <p:cNvPr id="174" name="Flecha: hacia abajo 173">
+              <a:extLst>
+                <a:ext uri="{FF2B5EF4-FFF2-40B4-BE49-F238E27FC236}">
+                  <a16:creationId xmlns:a16="http://schemas.microsoft.com/office/drawing/2014/main" id="{FDAFDBFD-66FA-0CF5-0A4C-0C825B566A80}"/>
+                </a:ext>
+              </a:extLst>
+            </p:cNvPr>
+            <p:cNvSpPr/>
+            <p:nvPr/>
+          </p:nvSpPr>
+          <p:spPr>
+            <a:xfrm>
+              <a:off x="2447199" y="5311181"/>
+              <a:ext cx="161261" cy="192522"/>
+            </a:xfrm>
+            <a:prstGeom prst="downArrow">
+              <a:avLst/>
+            </a:prstGeom>
+            <a:solidFill>
+              <a:srgbClr val="FF0000"/>
+            </a:solidFill>
+            <a:ln>
+              <a:solidFill>
+                <a:srgbClr val="C00000"/>
+              </a:solidFill>
+            </a:ln>
+          </p:spPr>
+          <p:style>
+            <a:lnRef idx="2">
+              <a:schemeClr val="accent1">
+                <a:shade val="50000"/>
+              </a:schemeClr>
+            </a:lnRef>
+            <a:fillRef idx="1">
+              <a:schemeClr val="accent1"/>
+            </a:fillRef>
+            <a:effectRef idx="0">
+              <a:schemeClr val="accent1"/>
+            </a:effectRef>
+            <a:fontRef idx="minor">
+              <a:schemeClr val="lt1"/>
+            </a:fontRef>
+          </p:style>
+          <p:txBody>
+            <a:bodyPr rtlCol="0" anchor="ctr"/>
+            <a:lstStyle/>
+            <a:p>
+              <a:pPr algn="ctr"/>
+              <a:endParaRPr lang="en-US"/>
             </a:p>
           </p:txBody>
         </p:sp>

--- a/figures/conceptual_model.pptx
+++ b/figures/conceptual_model.pptx
@@ -3349,10 +3349,10 @@
       </p:grpSpPr>
       <p:grpSp>
         <p:nvGrpSpPr>
-          <p:cNvPr id="175" name="Grupo 174">
+          <p:cNvPr id="56" name="Grupo 55">
             <a:extLst>
               <a:ext uri="{FF2B5EF4-FFF2-40B4-BE49-F238E27FC236}">
-                <a16:creationId xmlns:a16="http://schemas.microsoft.com/office/drawing/2014/main" id="{F73A7688-EE6F-B0D5-5E82-3FD967A939C3}"/>
+                <a16:creationId xmlns:a16="http://schemas.microsoft.com/office/drawing/2014/main" id="{52840E3A-EE11-338C-FE27-B2AC8AB5F882}"/>
               </a:ext>
             </a:extLst>
           </p:cNvPr>
@@ -5335,102 +5335,6 @@
                   <a:cs typeface="Arial" panose="020B0604020202020204" pitchFamily="34" charset="0"/>
                 </a:rPr>
                 <a:t>soil water</a:t>
-              </a:r>
-              <a:endParaRPr lang="es-PE" sz="1600" dirty="0">
-                <a:latin typeface="Arial" panose="020B0604020202020204" pitchFamily="34" charset="0"/>
-                <a:cs typeface="Arial" panose="020B0604020202020204" pitchFamily="34" charset="0"/>
-              </a:endParaRPr>
-            </a:p>
-          </p:txBody>
-        </p:sp>
-        <p:sp>
-          <p:nvSpPr>
-            <p:cNvPr id="67" name="Rectángulo 66">
-              <a:extLst>
-                <a:ext uri="{FF2B5EF4-FFF2-40B4-BE49-F238E27FC236}">
-                  <a16:creationId xmlns:a16="http://schemas.microsoft.com/office/drawing/2014/main" id="{6473C498-B765-ADEA-1E34-855A0D1528A9}"/>
-                </a:ext>
-              </a:extLst>
-            </p:cNvPr>
-            <p:cNvSpPr/>
-            <p:nvPr/>
-          </p:nvSpPr>
-          <p:spPr>
-            <a:xfrm>
-              <a:off x="8552461" y="3959374"/>
-              <a:ext cx="2891208" cy="2138782"/>
-            </a:xfrm>
-            <a:prstGeom prst="rect">
-              <a:avLst/>
-            </a:prstGeom>
-            <a:solidFill>
-              <a:srgbClr val="4472C4">
-                <a:alpha val="50196"/>
-              </a:srgbClr>
-            </a:solidFill>
-            <a:ln>
-              <a:noFill/>
-            </a:ln>
-          </p:spPr>
-          <p:style>
-            <a:lnRef idx="2">
-              <a:schemeClr val="accent1">
-                <a:shade val="50000"/>
-              </a:schemeClr>
-            </a:lnRef>
-            <a:fillRef idx="1">
-              <a:schemeClr val="accent1"/>
-            </a:fillRef>
-            <a:effectRef idx="0">
-              <a:schemeClr val="accent1"/>
-            </a:effectRef>
-            <a:fontRef idx="minor">
-              <a:schemeClr val="lt1"/>
-            </a:fontRef>
-          </p:style>
-          <p:txBody>
-            <a:bodyPr rtlCol="0" anchor="ctr"/>
-            <a:lstStyle/>
-            <a:p>
-              <a:pPr algn="ctr"/>
-              <a:endParaRPr lang="es-PE"/>
-            </a:p>
-          </p:txBody>
-        </p:sp>
-        <p:sp>
-          <p:nvSpPr>
-            <p:cNvPr id="66" name="CuadroTexto 65">
-              <a:extLst>
-                <a:ext uri="{FF2B5EF4-FFF2-40B4-BE49-F238E27FC236}">
-                  <a16:creationId xmlns:a16="http://schemas.microsoft.com/office/drawing/2014/main" id="{906A9A8B-01BC-1A46-C789-8C30909212F2}"/>
-                </a:ext>
-              </a:extLst>
-            </p:cNvPr>
-            <p:cNvSpPr txBox="1"/>
-            <p:nvPr/>
-          </p:nvSpPr>
-          <p:spPr>
-            <a:xfrm>
-              <a:off x="8625208" y="4877204"/>
-              <a:ext cx="1928733" cy="338554"/>
-            </a:xfrm>
-            <a:prstGeom prst="rect">
-              <a:avLst/>
-            </a:prstGeom>
-            <a:noFill/>
-          </p:spPr>
-          <p:txBody>
-            <a:bodyPr wrap="none" rtlCol="0">
-              <a:spAutoFit/>
-            </a:bodyPr>
-            <a:lstStyle/>
-            <a:p>
-              <a:r>
-                <a:rPr lang="de-DE" sz="1600" dirty="0">
-                  <a:latin typeface="Arial" panose="020B0604020202020204" pitchFamily="34" charset="0"/>
-                  <a:cs typeface="Arial" panose="020B0604020202020204" pitchFamily="34" charset="0"/>
-                </a:rPr>
-                <a:t>constant soil water</a:t>
               </a:r>
               <a:endParaRPr lang="es-PE" sz="1600" dirty="0">
                 <a:latin typeface="Arial" panose="020B0604020202020204" pitchFamily="34" charset="0"/>
@@ -10403,62 +10307,6 @@
             </a:p>
           </p:txBody>
         </p:sp>
-        <p:sp>
-          <p:nvSpPr>
-            <p:cNvPr id="11" name="Flecha: hacia abajo 10">
-              <a:extLst>
-                <a:ext uri="{FF2B5EF4-FFF2-40B4-BE49-F238E27FC236}">
-                  <a16:creationId xmlns:a16="http://schemas.microsoft.com/office/drawing/2014/main" id="{B01AECE3-3F69-493A-A877-436305D21757}"/>
-                </a:ext>
-              </a:extLst>
-            </p:cNvPr>
-            <p:cNvSpPr/>
-            <p:nvPr/>
-          </p:nvSpPr>
-          <p:spPr>
-            <a:xfrm flipV="1">
-              <a:off x="9587609" y="3580177"/>
-              <a:ext cx="161261" cy="192522"/>
-            </a:xfrm>
-            <a:prstGeom prst="downArrow">
-              <a:avLst/>
-            </a:prstGeom>
-            <a:solidFill>
-              <a:srgbClr val="00B050"/>
-            </a:solidFill>
-            <a:ln>
-              <a:solidFill>
-                <a:schemeClr val="accent6">
-                  <a:lumMod val="75000"/>
-                </a:schemeClr>
-              </a:solidFill>
-            </a:ln>
-          </p:spPr>
-          <p:style>
-            <a:lnRef idx="2">
-              <a:schemeClr val="accent1">
-                <a:shade val="50000"/>
-              </a:schemeClr>
-            </a:lnRef>
-            <a:fillRef idx="1">
-              <a:schemeClr val="accent1"/>
-            </a:fillRef>
-            <a:effectRef idx="0">
-              <a:schemeClr val="accent1"/>
-            </a:effectRef>
-            <a:fontRef idx="minor">
-              <a:schemeClr val="lt1"/>
-            </a:fontRef>
-          </p:style>
-          <p:txBody>
-            <a:bodyPr rtlCol="0" anchor="ctr"/>
-            <a:lstStyle/>
-            <a:p>
-              <a:pPr algn="ctr"/>
-              <a:endParaRPr lang="en-US"/>
-            </a:p>
-          </p:txBody>
-        </p:sp>
         <p:cxnSp>
           <p:nvCxnSpPr>
             <p:cNvPr id="15" name="Conector recto de flecha 14">
@@ -10670,60 +10518,6 @@
         </p:sp>
         <p:sp>
           <p:nvSpPr>
-            <p:cNvPr id="31" name="Flecha: hacia abajo 30">
-              <a:extLst>
-                <a:ext uri="{FF2B5EF4-FFF2-40B4-BE49-F238E27FC236}">
-                  <a16:creationId xmlns:a16="http://schemas.microsoft.com/office/drawing/2014/main" id="{3D70B833-B82F-9936-3B56-6948DB1DD7A0}"/>
-                </a:ext>
-              </a:extLst>
-            </p:cNvPr>
-            <p:cNvSpPr/>
-            <p:nvPr/>
-          </p:nvSpPr>
-          <p:spPr>
-            <a:xfrm>
-              <a:off x="7410454" y="2733548"/>
-              <a:ext cx="161261" cy="192522"/>
-            </a:xfrm>
-            <a:prstGeom prst="downArrow">
-              <a:avLst/>
-            </a:prstGeom>
-            <a:solidFill>
-              <a:srgbClr val="FF0000"/>
-            </a:solidFill>
-            <a:ln>
-              <a:solidFill>
-                <a:srgbClr val="C00000"/>
-              </a:solidFill>
-            </a:ln>
-          </p:spPr>
-          <p:style>
-            <a:lnRef idx="2">
-              <a:schemeClr val="accent1">
-                <a:shade val="50000"/>
-              </a:schemeClr>
-            </a:lnRef>
-            <a:fillRef idx="1">
-              <a:schemeClr val="accent1"/>
-            </a:fillRef>
-            <a:effectRef idx="0">
-              <a:schemeClr val="accent1"/>
-            </a:effectRef>
-            <a:fontRef idx="minor">
-              <a:schemeClr val="lt1"/>
-            </a:fontRef>
-          </p:style>
-          <p:txBody>
-            <a:bodyPr rtlCol="0" anchor="ctr"/>
-            <a:lstStyle/>
-            <a:p>
-              <a:pPr algn="ctr"/>
-              <a:endParaRPr lang="en-US"/>
-            </a:p>
-          </p:txBody>
-        </p:sp>
-        <p:sp>
-          <p:nvSpPr>
             <p:cNvPr id="32" name="Flecha: hacia abajo 31">
               <a:extLst>
                 <a:ext uri="{FF2B5EF4-FFF2-40B4-BE49-F238E27FC236}">
@@ -10793,60 +10587,6 @@
           <p:spPr>
             <a:xfrm>
               <a:off x="3438347" y="2714593"/>
-              <a:ext cx="161261" cy="192522"/>
-            </a:xfrm>
-            <a:prstGeom prst="downArrow">
-              <a:avLst/>
-            </a:prstGeom>
-            <a:solidFill>
-              <a:srgbClr val="FF0000"/>
-            </a:solidFill>
-            <a:ln>
-              <a:solidFill>
-                <a:srgbClr val="C00000"/>
-              </a:solidFill>
-            </a:ln>
-          </p:spPr>
-          <p:style>
-            <a:lnRef idx="2">
-              <a:schemeClr val="accent1">
-                <a:shade val="50000"/>
-              </a:schemeClr>
-            </a:lnRef>
-            <a:fillRef idx="1">
-              <a:schemeClr val="accent1"/>
-            </a:fillRef>
-            <a:effectRef idx="0">
-              <a:schemeClr val="accent1"/>
-            </a:effectRef>
-            <a:fontRef idx="minor">
-              <a:schemeClr val="lt1"/>
-            </a:fontRef>
-          </p:style>
-          <p:txBody>
-            <a:bodyPr rtlCol="0" anchor="ctr"/>
-            <a:lstStyle/>
-            <a:p>
-              <a:pPr algn="ctr"/>
-              <a:endParaRPr lang="en-US"/>
-            </a:p>
-          </p:txBody>
-        </p:sp>
-        <p:sp>
-          <p:nvSpPr>
-            <p:cNvPr id="34" name="Flecha: hacia abajo 33">
-              <a:extLst>
-                <a:ext uri="{FF2B5EF4-FFF2-40B4-BE49-F238E27FC236}">
-                  <a16:creationId xmlns:a16="http://schemas.microsoft.com/office/drawing/2014/main" id="{D32B022F-5D64-4B29-434F-AE942DC2745E}"/>
-                </a:ext>
-              </a:extLst>
-            </p:cNvPr>
-            <p:cNvSpPr/>
-            <p:nvPr/>
-          </p:nvSpPr>
-          <p:spPr>
-            <a:xfrm>
-              <a:off x="7373390" y="3578782"/>
               <a:ext cx="161261" cy="192522"/>
             </a:xfrm>
             <a:prstGeom prst="downArrow">
@@ -11061,7 +10801,7 @@
             <a:noFill/>
           </p:spPr>
           <p:txBody>
-            <a:bodyPr wrap="none" rtlCol="0">
+            <a:bodyPr wrap="square" rtlCol="0">
               <a:spAutoFit/>
             </a:bodyPr>
             <a:lstStyle/>
@@ -11663,7 +11403,7 @@
             <a:noFill/>
           </p:spPr>
           <p:txBody>
-            <a:bodyPr wrap="none" rtlCol="0">
+            <a:bodyPr wrap="square" rtlCol="0">
               <a:spAutoFit/>
             </a:bodyPr>
             <a:lstStyle/>
@@ -11699,7 +11439,7 @@
           <p:spPr>
             <a:xfrm>
               <a:off x="1439508" y="3952240"/>
-              <a:ext cx="7112953" cy="0"/>
+              <a:ext cx="9974853" cy="0"/>
             </a:xfrm>
             <a:prstGeom prst="line">
               <a:avLst/>
@@ -11740,13 +11480,15 @@
                 </a:ext>
               </a:extLst>
             </p:cNvPr>
-            <p:cNvCxnSpPr/>
+            <p:cNvCxnSpPr>
+              <a:cxnSpLocks/>
+            </p:cNvCxnSpPr>
             <p:nvPr/>
           </p:nvCxnSpPr>
           <p:spPr>
             <a:xfrm>
               <a:off x="1439508" y="5054837"/>
-              <a:ext cx="7112953" cy="0"/>
+              <a:ext cx="10005102" cy="0"/>
             </a:xfrm>
             <a:prstGeom prst="line">
               <a:avLst/>
@@ -11903,6 +11645,366 @@
           <p:spPr>
             <a:xfrm>
               <a:off x="2447199" y="5311181"/>
+              <a:ext cx="161261" cy="192522"/>
+            </a:xfrm>
+            <a:prstGeom prst="downArrow">
+              <a:avLst/>
+            </a:prstGeom>
+            <a:solidFill>
+              <a:srgbClr val="FF0000"/>
+            </a:solidFill>
+            <a:ln>
+              <a:solidFill>
+                <a:srgbClr val="C00000"/>
+              </a:solidFill>
+            </a:ln>
+          </p:spPr>
+          <p:style>
+            <a:lnRef idx="2">
+              <a:schemeClr val="accent1">
+                <a:shade val="50000"/>
+              </a:schemeClr>
+            </a:lnRef>
+            <a:fillRef idx="1">
+              <a:schemeClr val="accent1"/>
+            </a:fillRef>
+            <a:effectRef idx="0">
+              <a:schemeClr val="accent1"/>
+            </a:effectRef>
+            <a:fontRef idx="minor">
+              <a:schemeClr val="lt1"/>
+            </a:fontRef>
+          </p:style>
+          <p:txBody>
+            <a:bodyPr rtlCol="0" anchor="ctr"/>
+            <a:lstStyle/>
+            <a:p>
+              <a:pPr algn="ctr"/>
+              <a:endParaRPr lang="en-US"/>
+            </a:p>
+          </p:txBody>
+        </p:sp>
+        <p:sp>
+          <p:nvSpPr>
+            <p:cNvPr id="2" name="Flecha: hacia abajo 1">
+              <a:extLst>
+                <a:ext uri="{FF2B5EF4-FFF2-40B4-BE49-F238E27FC236}">
+                  <a16:creationId xmlns:a16="http://schemas.microsoft.com/office/drawing/2014/main" id="{6223687B-D772-BB61-A7A8-337FBE06F7D1}"/>
+                </a:ext>
+              </a:extLst>
+            </p:cNvPr>
+            <p:cNvSpPr/>
+            <p:nvPr/>
+          </p:nvSpPr>
+          <p:spPr>
+            <a:xfrm>
+              <a:off x="9607863" y="3605153"/>
+              <a:ext cx="161261" cy="192522"/>
+            </a:xfrm>
+            <a:prstGeom prst="downArrow">
+              <a:avLst/>
+            </a:prstGeom>
+            <a:solidFill>
+              <a:srgbClr val="FF0000"/>
+            </a:solidFill>
+            <a:ln>
+              <a:solidFill>
+                <a:srgbClr val="C00000"/>
+              </a:solidFill>
+            </a:ln>
+          </p:spPr>
+          <p:style>
+            <a:lnRef idx="2">
+              <a:schemeClr val="accent1">
+                <a:shade val="50000"/>
+              </a:schemeClr>
+            </a:lnRef>
+            <a:fillRef idx="1">
+              <a:schemeClr val="accent1"/>
+            </a:fillRef>
+            <a:effectRef idx="0">
+              <a:schemeClr val="accent1"/>
+            </a:effectRef>
+            <a:fontRef idx="minor">
+              <a:schemeClr val="lt1"/>
+            </a:fontRef>
+          </p:style>
+          <p:txBody>
+            <a:bodyPr rtlCol="0" anchor="ctr"/>
+            <a:lstStyle/>
+            <a:p>
+              <a:pPr algn="ctr"/>
+              <a:endParaRPr lang="en-US"/>
+            </a:p>
+          </p:txBody>
+        </p:sp>
+        <p:sp>
+          <p:nvSpPr>
+            <p:cNvPr id="4" name="Flecha: hacia abajo 3">
+              <a:extLst>
+                <a:ext uri="{FF2B5EF4-FFF2-40B4-BE49-F238E27FC236}">
+                  <a16:creationId xmlns:a16="http://schemas.microsoft.com/office/drawing/2014/main" id="{0F492B6D-C72C-AA5A-F211-41170DE1D33D}"/>
+                </a:ext>
+              </a:extLst>
+            </p:cNvPr>
+            <p:cNvSpPr/>
+            <p:nvPr/>
+          </p:nvSpPr>
+          <p:spPr>
+            <a:xfrm flipV="1">
+              <a:off x="7431953" y="2726931"/>
+              <a:ext cx="161261" cy="192522"/>
+            </a:xfrm>
+            <a:prstGeom prst="downArrow">
+              <a:avLst/>
+            </a:prstGeom>
+            <a:solidFill>
+              <a:srgbClr val="00B050"/>
+            </a:solidFill>
+            <a:ln>
+              <a:solidFill>
+                <a:schemeClr val="accent6">
+                  <a:lumMod val="75000"/>
+                </a:schemeClr>
+              </a:solidFill>
+            </a:ln>
+          </p:spPr>
+          <p:style>
+            <a:lnRef idx="2">
+              <a:schemeClr val="accent1">
+                <a:shade val="50000"/>
+              </a:schemeClr>
+            </a:lnRef>
+            <a:fillRef idx="1">
+              <a:schemeClr val="accent1"/>
+            </a:fillRef>
+            <a:effectRef idx="0">
+              <a:schemeClr val="accent1"/>
+            </a:effectRef>
+            <a:fontRef idx="minor">
+              <a:schemeClr val="lt1"/>
+            </a:fontRef>
+          </p:style>
+          <p:txBody>
+            <a:bodyPr rtlCol="0" anchor="ctr"/>
+            <a:lstStyle/>
+            <a:p>
+              <a:pPr algn="ctr"/>
+              <a:endParaRPr lang="en-US"/>
+            </a:p>
+          </p:txBody>
+        </p:sp>
+        <p:sp>
+          <p:nvSpPr>
+            <p:cNvPr id="14" name="Flecha: hacia abajo 13">
+              <a:extLst>
+                <a:ext uri="{FF2B5EF4-FFF2-40B4-BE49-F238E27FC236}">
+                  <a16:creationId xmlns:a16="http://schemas.microsoft.com/office/drawing/2014/main" id="{36DBCA91-6799-665A-54D3-D9C1DC1A77E7}"/>
+                </a:ext>
+              </a:extLst>
+            </p:cNvPr>
+            <p:cNvSpPr/>
+            <p:nvPr/>
+          </p:nvSpPr>
+          <p:spPr>
+            <a:xfrm flipV="1">
+              <a:off x="7370323" y="3571133"/>
+              <a:ext cx="161261" cy="192522"/>
+            </a:xfrm>
+            <a:prstGeom prst="downArrow">
+              <a:avLst/>
+            </a:prstGeom>
+            <a:solidFill>
+              <a:srgbClr val="00B050"/>
+            </a:solidFill>
+            <a:ln>
+              <a:solidFill>
+                <a:schemeClr val="accent6">
+                  <a:lumMod val="75000"/>
+                </a:schemeClr>
+              </a:solidFill>
+            </a:ln>
+          </p:spPr>
+          <p:style>
+            <a:lnRef idx="2">
+              <a:schemeClr val="accent1">
+                <a:shade val="50000"/>
+              </a:schemeClr>
+            </a:lnRef>
+            <a:fillRef idx="1">
+              <a:schemeClr val="accent1"/>
+            </a:fillRef>
+            <a:effectRef idx="0">
+              <a:schemeClr val="accent1"/>
+            </a:effectRef>
+            <a:fontRef idx="minor">
+              <a:schemeClr val="lt1"/>
+            </a:fontRef>
+          </p:style>
+          <p:txBody>
+            <a:bodyPr rtlCol="0" anchor="ctr"/>
+            <a:lstStyle/>
+            <a:p>
+              <a:pPr algn="ctr"/>
+              <a:endParaRPr lang="en-US"/>
+            </a:p>
+          </p:txBody>
+        </p:sp>
+        <p:sp>
+          <p:nvSpPr>
+            <p:cNvPr id="16" name="CuadroTexto 15">
+              <a:extLst>
+                <a:ext uri="{FF2B5EF4-FFF2-40B4-BE49-F238E27FC236}">
+                  <a16:creationId xmlns:a16="http://schemas.microsoft.com/office/drawing/2014/main" id="{0D7F765B-3903-FFB6-15D8-8DC834811931}"/>
+                </a:ext>
+              </a:extLst>
+            </p:cNvPr>
+            <p:cNvSpPr txBox="1"/>
+            <p:nvPr/>
+          </p:nvSpPr>
+          <p:spPr>
+            <a:xfrm>
+              <a:off x="8629809" y="5245897"/>
+              <a:ext cx="1083951" cy="338554"/>
+            </a:xfrm>
+            <a:prstGeom prst="rect">
+              <a:avLst/>
+            </a:prstGeom>
+            <a:noFill/>
+          </p:spPr>
+          <p:txBody>
+            <a:bodyPr wrap="square" rtlCol="0">
+              <a:spAutoFit/>
+            </a:bodyPr>
+            <a:lstStyle/>
+            <a:p>
+              <a:r>
+                <a:rPr lang="de-DE" sz="1600" dirty="0">
+                  <a:latin typeface="Arial" panose="020B0604020202020204" pitchFamily="34" charset="0"/>
+                  <a:cs typeface="Arial" panose="020B0604020202020204" pitchFamily="34" charset="0"/>
+                </a:rPr>
+                <a:t>soil water</a:t>
+              </a:r>
+              <a:endParaRPr lang="es-PE" sz="1600" dirty="0">
+                <a:latin typeface="Arial" panose="020B0604020202020204" pitchFamily="34" charset="0"/>
+                <a:cs typeface="Arial" panose="020B0604020202020204" pitchFamily="34" charset="0"/>
+              </a:endParaRPr>
+            </a:p>
+          </p:txBody>
+        </p:sp>
+        <p:sp>
+          <p:nvSpPr>
+            <p:cNvPr id="17" name="CuadroTexto 16">
+              <a:extLst>
+                <a:ext uri="{FF2B5EF4-FFF2-40B4-BE49-F238E27FC236}">
+                  <a16:creationId xmlns:a16="http://schemas.microsoft.com/office/drawing/2014/main" id="{099380C2-2624-3534-46B0-D8C0317742A6}"/>
+                </a:ext>
+              </a:extLst>
+            </p:cNvPr>
+            <p:cNvSpPr txBox="1"/>
+            <p:nvPr/>
+          </p:nvSpPr>
+          <p:spPr>
+            <a:xfrm>
+              <a:off x="8637919" y="4295566"/>
+              <a:ext cx="1083951" cy="338554"/>
+            </a:xfrm>
+            <a:prstGeom prst="rect">
+              <a:avLst/>
+            </a:prstGeom>
+            <a:noFill/>
+          </p:spPr>
+          <p:txBody>
+            <a:bodyPr wrap="square" rtlCol="0">
+              <a:spAutoFit/>
+            </a:bodyPr>
+            <a:lstStyle/>
+            <a:p>
+              <a:r>
+                <a:rPr lang="de-DE" sz="1600" dirty="0">
+                  <a:latin typeface="Arial" panose="020B0604020202020204" pitchFamily="34" charset="0"/>
+                  <a:cs typeface="Arial" panose="020B0604020202020204" pitchFamily="34" charset="0"/>
+                </a:rPr>
+                <a:t>soil water</a:t>
+              </a:r>
+              <a:endParaRPr lang="es-PE" sz="1600" dirty="0">
+                <a:latin typeface="Arial" panose="020B0604020202020204" pitchFamily="34" charset="0"/>
+                <a:cs typeface="Arial" panose="020B0604020202020204" pitchFamily="34" charset="0"/>
+              </a:endParaRPr>
+            </a:p>
+          </p:txBody>
+        </p:sp>
+        <p:sp>
+          <p:nvSpPr>
+            <p:cNvPr id="18" name="Flecha: hacia abajo 17">
+              <a:extLst>
+                <a:ext uri="{FF2B5EF4-FFF2-40B4-BE49-F238E27FC236}">
+                  <a16:creationId xmlns:a16="http://schemas.microsoft.com/office/drawing/2014/main" id="{9D89BD7F-74B8-7140-5716-3E95EB80AFB6}"/>
+                </a:ext>
+              </a:extLst>
+            </p:cNvPr>
+            <p:cNvSpPr/>
+            <p:nvPr/>
+          </p:nvSpPr>
+          <p:spPr>
+            <a:xfrm flipV="1">
+              <a:off x="9648781" y="4371828"/>
+              <a:ext cx="161261" cy="192522"/>
+            </a:xfrm>
+            <a:prstGeom prst="downArrow">
+              <a:avLst/>
+            </a:prstGeom>
+            <a:solidFill>
+              <a:srgbClr val="00B050"/>
+            </a:solidFill>
+            <a:ln>
+              <a:solidFill>
+                <a:schemeClr val="accent6">
+                  <a:lumMod val="75000"/>
+                </a:schemeClr>
+              </a:solidFill>
+            </a:ln>
+          </p:spPr>
+          <p:style>
+            <a:lnRef idx="2">
+              <a:schemeClr val="accent1">
+                <a:shade val="50000"/>
+              </a:schemeClr>
+            </a:lnRef>
+            <a:fillRef idx="1">
+              <a:schemeClr val="accent1"/>
+            </a:fillRef>
+            <a:effectRef idx="0">
+              <a:schemeClr val="accent1"/>
+            </a:effectRef>
+            <a:fontRef idx="minor">
+              <a:schemeClr val="lt1"/>
+            </a:fontRef>
+          </p:style>
+          <p:txBody>
+            <a:bodyPr rtlCol="0" anchor="ctr"/>
+            <a:lstStyle/>
+            <a:p>
+              <a:pPr algn="ctr"/>
+              <a:endParaRPr lang="en-US"/>
+            </a:p>
+          </p:txBody>
+        </p:sp>
+        <p:sp>
+          <p:nvSpPr>
+            <p:cNvPr id="19" name="Flecha: hacia abajo 18">
+              <a:extLst>
+                <a:ext uri="{FF2B5EF4-FFF2-40B4-BE49-F238E27FC236}">
+                  <a16:creationId xmlns:a16="http://schemas.microsoft.com/office/drawing/2014/main" id="{5E88F09F-DC7C-95C1-2484-7FB97F9F4486}"/>
+                </a:ext>
+              </a:extLst>
+            </p:cNvPr>
+            <p:cNvSpPr/>
+            <p:nvPr/>
+          </p:nvSpPr>
+          <p:spPr>
+            <a:xfrm>
+              <a:off x="9645610" y="5311181"/>
               <a:ext cx="161261" cy="192522"/>
             </a:xfrm>
             <a:prstGeom prst="downArrow">
